--- a/paper/LaTeXTemplates/ppt4192.pptm  -  AutoRecovered.pptx
+++ b/paper/LaTeXTemplates/ppt4192.pptm  -  AutoRecovered.pptx
@@ -9,6 +9,8 @@
     <p:sldId id="257" r:id="rId3"/>
     <p:sldId id="258" r:id="rId4"/>
     <p:sldId id="259" r:id="rId5"/>
+    <p:sldId id="260" r:id="rId6"/>
+    <p:sldId id="261" r:id="rId7"/>
   </p:sldIdLst>
   <p:sldSz cx="12192000" cy="6858000"/>
   <p:notesSz cx="6858000" cy="9144000"/>
@@ -8318,6 +8320,2969 @@
 </p:sld>
 </file>
 
+<file path=ppt/slides/slide5.xml><?xml version="1.0" encoding="utf-8"?>
+<p:sld xmlns:a="http://schemas.openxmlformats.org/drawingml/2006/main" xmlns:r="http://schemas.openxmlformats.org/officeDocument/2006/relationships" xmlns:p="http://schemas.openxmlformats.org/presentationml/2006/main">
+  <p:cSld>
+    <p:spTree>
+      <p:nvGrpSpPr>
+        <p:cNvPr id="1" name=""/>
+        <p:cNvGrpSpPr/>
+        <p:nvPr/>
+      </p:nvGrpSpPr>
+      <p:grpSpPr>
+        <a:xfrm>
+          <a:off x="0" y="0"/>
+          <a:ext cx="0" cy="0"/>
+          <a:chOff x="0" y="0"/>
+          <a:chExt cx="0" cy="0"/>
+        </a:xfrm>
+      </p:grpSpPr>
+      <p:grpSp>
+        <p:nvGrpSpPr>
+          <p:cNvPr id="56" name="Group 55">
+            <a:extLst>
+              <a:ext uri="{FF2B5EF4-FFF2-40B4-BE49-F238E27FC236}">
+                <a16:creationId xmlns:a16="http://schemas.microsoft.com/office/drawing/2014/main" id="{F0D1A07C-7E89-9FC0-B196-6B6FE9EC0C61}"/>
+              </a:ext>
+            </a:extLst>
+          </p:cNvPr>
+          <p:cNvGrpSpPr/>
+          <p:nvPr/>
+        </p:nvGrpSpPr>
+        <p:grpSpPr>
+          <a:xfrm>
+            <a:off x="1768402" y="220435"/>
+            <a:ext cx="7235033" cy="4792436"/>
+            <a:chOff x="1768402" y="220435"/>
+            <a:chExt cx="7235033" cy="4792436"/>
+          </a:xfrm>
+        </p:grpSpPr>
+        <p:pic>
+          <p:nvPicPr>
+            <p:cNvPr id="5" name="Picture 4" descr="Chart, line chart&#10;&#10;Description automatically generated">
+              <a:extLst>
+                <a:ext uri="{FF2B5EF4-FFF2-40B4-BE49-F238E27FC236}">
+                  <a16:creationId xmlns:a16="http://schemas.microsoft.com/office/drawing/2014/main" id="{45FDC590-0AAF-F4D4-B612-C7A7457857BE}"/>
+                </a:ext>
+              </a:extLst>
+            </p:cNvPr>
+            <p:cNvPicPr>
+              <a:picLocks noChangeAspect="1"/>
+            </p:cNvPicPr>
+            <p:nvPr/>
+          </p:nvPicPr>
+          <p:blipFill>
+            <a:blip r:embed="rId2">
+              <a:extLst>
+                <a:ext uri="{28A0092B-C50C-407E-A947-70E740481C1C}">
+                  <a14:useLocalDpi xmlns:a14="http://schemas.microsoft.com/office/drawing/2010/main" val="0"/>
+                </a:ext>
+              </a:extLst>
+            </a:blip>
+            <a:stretch>
+              <a:fillRect/>
+            </a:stretch>
+          </p:blipFill>
+          <p:spPr>
+            <a:xfrm>
+              <a:off x="1768402" y="220435"/>
+              <a:ext cx="7235033" cy="4792436"/>
+            </a:xfrm>
+            <a:prstGeom prst="rect">
+              <a:avLst/>
+            </a:prstGeom>
+          </p:spPr>
+        </p:pic>
+        <p:sp>
+          <p:nvSpPr>
+            <p:cNvPr id="6" name="Rectangle 5">
+              <a:extLst>
+                <a:ext uri="{FF2B5EF4-FFF2-40B4-BE49-F238E27FC236}">
+                  <a16:creationId xmlns:a16="http://schemas.microsoft.com/office/drawing/2014/main" id="{DF35FF52-456A-3DF7-E687-9DB23A3FAB13}"/>
+                </a:ext>
+              </a:extLst>
+            </p:cNvPr>
+            <p:cNvSpPr/>
+            <p:nvPr/>
+          </p:nvSpPr>
+          <p:spPr>
+            <a:xfrm>
+              <a:off x="2277755" y="446364"/>
+              <a:ext cx="780483" cy="4196805"/>
+            </a:xfrm>
+            <a:prstGeom prst="rect">
+              <a:avLst/>
+            </a:prstGeom>
+            <a:solidFill>
+              <a:srgbClr val="E2F0D9">
+                <a:alpha val="40000"/>
+              </a:srgbClr>
+            </a:solidFill>
+            <a:ln w="9525">
+              <a:solidFill>
+                <a:schemeClr val="bg1">
+                  <a:lumMod val="75000"/>
+                </a:schemeClr>
+              </a:solidFill>
+              <a:prstDash val="sysDot"/>
+            </a:ln>
+          </p:spPr>
+          <p:style>
+            <a:lnRef idx="2">
+              <a:schemeClr val="accent1">
+                <a:shade val="50000"/>
+              </a:schemeClr>
+            </a:lnRef>
+            <a:fillRef idx="1">
+              <a:schemeClr val="accent1"/>
+            </a:fillRef>
+            <a:effectRef idx="0">
+              <a:schemeClr val="accent1"/>
+            </a:effectRef>
+            <a:fontRef idx="minor">
+              <a:schemeClr val="lt1"/>
+            </a:fontRef>
+          </p:style>
+          <p:txBody>
+            <a:bodyPr rtlCol="0" anchor="ctr"/>
+            <a:lstStyle/>
+            <a:p>
+              <a:pPr algn="ctr"/>
+              <a:endParaRPr lang="en-US"/>
+            </a:p>
+          </p:txBody>
+        </p:sp>
+        <p:sp>
+          <p:nvSpPr>
+            <p:cNvPr id="7" name="Rectangle 6">
+              <a:extLst>
+                <a:ext uri="{FF2B5EF4-FFF2-40B4-BE49-F238E27FC236}">
+                  <a16:creationId xmlns:a16="http://schemas.microsoft.com/office/drawing/2014/main" id="{400F8A60-25E8-307B-3AE1-B3D053DC7444}"/>
+                </a:ext>
+              </a:extLst>
+            </p:cNvPr>
+            <p:cNvSpPr/>
+            <p:nvPr/>
+          </p:nvSpPr>
+          <p:spPr>
+            <a:xfrm>
+              <a:off x="3058237" y="446364"/>
+              <a:ext cx="684634" cy="4196805"/>
+            </a:xfrm>
+            <a:prstGeom prst="rect">
+              <a:avLst/>
+            </a:prstGeom>
+            <a:solidFill>
+              <a:schemeClr val="accent5">
+                <a:lumMod val="20000"/>
+                <a:lumOff val="80000"/>
+                <a:alpha val="40000"/>
+              </a:schemeClr>
+            </a:solidFill>
+            <a:ln w="9525">
+              <a:solidFill>
+                <a:schemeClr val="bg1">
+                  <a:lumMod val="75000"/>
+                </a:schemeClr>
+              </a:solidFill>
+              <a:prstDash val="sysDot"/>
+            </a:ln>
+          </p:spPr>
+          <p:style>
+            <a:lnRef idx="2">
+              <a:schemeClr val="accent1">
+                <a:shade val="50000"/>
+              </a:schemeClr>
+            </a:lnRef>
+            <a:fillRef idx="1">
+              <a:schemeClr val="accent1"/>
+            </a:fillRef>
+            <a:effectRef idx="0">
+              <a:schemeClr val="accent1"/>
+            </a:effectRef>
+            <a:fontRef idx="minor">
+              <a:schemeClr val="lt1"/>
+            </a:fontRef>
+          </p:style>
+          <p:txBody>
+            <a:bodyPr rtlCol="0" anchor="ctr"/>
+            <a:lstStyle/>
+            <a:p>
+              <a:pPr algn="ctr"/>
+              <a:endParaRPr lang="en-US"/>
+            </a:p>
+          </p:txBody>
+        </p:sp>
+        <p:sp>
+          <p:nvSpPr>
+            <p:cNvPr id="8" name="Rectangle 7">
+              <a:extLst>
+                <a:ext uri="{FF2B5EF4-FFF2-40B4-BE49-F238E27FC236}">
+                  <a16:creationId xmlns:a16="http://schemas.microsoft.com/office/drawing/2014/main" id="{EEE21A0B-97DC-7C80-3A01-F4F0AC3BC25F}"/>
+                </a:ext>
+              </a:extLst>
+            </p:cNvPr>
+            <p:cNvSpPr/>
+            <p:nvPr/>
+          </p:nvSpPr>
+          <p:spPr>
+            <a:xfrm>
+              <a:off x="3742871" y="446364"/>
+              <a:ext cx="1321343" cy="4196805"/>
+            </a:xfrm>
+            <a:prstGeom prst="rect">
+              <a:avLst/>
+            </a:prstGeom>
+            <a:solidFill>
+              <a:schemeClr val="accent2">
+                <a:lumMod val="20000"/>
+                <a:lumOff val="80000"/>
+                <a:alpha val="40000"/>
+              </a:schemeClr>
+            </a:solidFill>
+            <a:ln w="9525">
+              <a:solidFill>
+                <a:schemeClr val="bg1">
+                  <a:lumMod val="75000"/>
+                </a:schemeClr>
+              </a:solidFill>
+              <a:prstDash val="sysDot"/>
+            </a:ln>
+          </p:spPr>
+          <p:style>
+            <a:lnRef idx="2">
+              <a:schemeClr val="accent1">
+                <a:shade val="50000"/>
+              </a:schemeClr>
+            </a:lnRef>
+            <a:fillRef idx="1">
+              <a:schemeClr val="accent1"/>
+            </a:fillRef>
+            <a:effectRef idx="0">
+              <a:schemeClr val="accent1"/>
+            </a:effectRef>
+            <a:fontRef idx="minor">
+              <a:schemeClr val="lt1"/>
+            </a:fontRef>
+          </p:style>
+          <p:txBody>
+            <a:bodyPr rtlCol="0" anchor="ctr"/>
+            <a:lstStyle/>
+            <a:p>
+              <a:pPr algn="ctr"/>
+              <a:endParaRPr lang="en-US"/>
+            </a:p>
+          </p:txBody>
+        </p:sp>
+        <p:sp>
+          <p:nvSpPr>
+            <p:cNvPr id="9" name="Rectangle 8">
+              <a:extLst>
+                <a:ext uri="{FF2B5EF4-FFF2-40B4-BE49-F238E27FC236}">
+                  <a16:creationId xmlns:a16="http://schemas.microsoft.com/office/drawing/2014/main" id="{08C47FAA-A141-0ACA-B067-84B29C70978C}"/>
+                </a:ext>
+              </a:extLst>
+            </p:cNvPr>
+            <p:cNvSpPr/>
+            <p:nvPr/>
+          </p:nvSpPr>
+          <p:spPr>
+            <a:xfrm>
+              <a:off x="5064214" y="446364"/>
+              <a:ext cx="1841665" cy="4196805"/>
+            </a:xfrm>
+            <a:prstGeom prst="rect">
+              <a:avLst/>
+            </a:prstGeom>
+            <a:solidFill>
+              <a:schemeClr val="bg2">
+                <a:lumMod val="90000"/>
+                <a:alpha val="40000"/>
+              </a:schemeClr>
+            </a:solidFill>
+            <a:ln w="9525">
+              <a:solidFill>
+                <a:schemeClr val="bg1">
+                  <a:lumMod val="75000"/>
+                </a:schemeClr>
+              </a:solidFill>
+              <a:prstDash val="sysDot"/>
+            </a:ln>
+          </p:spPr>
+          <p:style>
+            <a:lnRef idx="2">
+              <a:schemeClr val="accent1">
+                <a:shade val="50000"/>
+              </a:schemeClr>
+            </a:lnRef>
+            <a:fillRef idx="1">
+              <a:schemeClr val="accent1"/>
+            </a:fillRef>
+            <a:effectRef idx="0">
+              <a:schemeClr val="accent1"/>
+            </a:effectRef>
+            <a:fontRef idx="minor">
+              <a:schemeClr val="lt1"/>
+            </a:fontRef>
+          </p:style>
+          <p:txBody>
+            <a:bodyPr rtlCol="0" anchor="ctr"/>
+            <a:lstStyle/>
+            <a:p>
+              <a:pPr algn="ctr"/>
+              <a:endParaRPr lang="en-US"/>
+            </a:p>
+          </p:txBody>
+        </p:sp>
+        <p:sp>
+          <p:nvSpPr>
+            <p:cNvPr id="10" name="Rectangle 9">
+              <a:extLst>
+                <a:ext uri="{FF2B5EF4-FFF2-40B4-BE49-F238E27FC236}">
+                  <a16:creationId xmlns:a16="http://schemas.microsoft.com/office/drawing/2014/main" id="{BD0A95E2-AEDB-CED1-479C-07DB9717DE4D}"/>
+                </a:ext>
+              </a:extLst>
+            </p:cNvPr>
+            <p:cNvSpPr/>
+            <p:nvPr/>
+          </p:nvSpPr>
+          <p:spPr>
+            <a:xfrm>
+              <a:off x="6901610" y="446364"/>
+              <a:ext cx="661519" cy="4196805"/>
+            </a:xfrm>
+            <a:prstGeom prst="rect">
+              <a:avLst/>
+            </a:prstGeom>
+            <a:solidFill>
+              <a:schemeClr val="tx1">
+                <a:lumMod val="50000"/>
+                <a:lumOff val="50000"/>
+                <a:alpha val="40000"/>
+              </a:schemeClr>
+            </a:solidFill>
+            <a:ln w="9525">
+              <a:solidFill>
+                <a:schemeClr val="bg1">
+                  <a:lumMod val="75000"/>
+                </a:schemeClr>
+              </a:solidFill>
+              <a:prstDash val="sysDot"/>
+            </a:ln>
+          </p:spPr>
+          <p:style>
+            <a:lnRef idx="2">
+              <a:schemeClr val="accent1">
+                <a:shade val="50000"/>
+              </a:schemeClr>
+            </a:lnRef>
+            <a:fillRef idx="1">
+              <a:schemeClr val="accent1"/>
+            </a:fillRef>
+            <a:effectRef idx="0">
+              <a:schemeClr val="accent1"/>
+            </a:effectRef>
+            <a:fontRef idx="minor">
+              <a:schemeClr val="lt1"/>
+            </a:fontRef>
+          </p:style>
+          <p:txBody>
+            <a:bodyPr rtlCol="0" anchor="ctr"/>
+            <a:lstStyle/>
+            <a:p>
+              <a:pPr algn="ctr"/>
+              <a:endParaRPr lang="en-US"/>
+            </a:p>
+          </p:txBody>
+        </p:sp>
+        <p:sp>
+          <p:nvSpPr>
+            <p:cNvPr id="12" name="TextBox 11">
+              <a:extLst>
+                <a:ext uri="{FF2B5EF4-FFF2-40B4-BE49-F238E27FC236}">
+                  <a16:creationId xmlns:a16="http://schemas.microsoft.com/office/drawing/2014/main" id="{0347BB19-CE99-A104-5283-650100BFAF99}"/>
+                </a:ext>
+              </a:extLst>
+            </p:cNvPr>
+            <p:cNvSpPr txBox="1"/>
+            <p:nvPr/>
+          </p:nvSpPr>
+          <p:spPr>
+            <a:xfrm>
+              <a:off x="2277753" y="2093433"/>
+              <a:ext cx="780483" cy="430887"/>
+            </a:xfrm>
+            <a:prstGeom prst="rect">
+              <a:avLst/>
+            </a:prstGeom>
+            <a:noFill/>
+          </p:spPr>
+          <p:txBody>
+            <a:bodyPr wrap="square" rtlCol="0">
+              <a:spAutoFit/>
+            </a:bodyPr>
+            <a:lstStyle/>
+            <a:p>
+              <a:pPr algn="ctr"/>
+              <a:r>
+                <a:rPr lang="en-US" sz="1100" b="1" dirty="0"/>
+                <a:t>Initial Condition</a:t>
+              </a:r>
+            </a:p>
+          </p:txBody>
+        </p:sp>
+        <p:cxnSp>
+          <p:nvCxnSpPr>
+            <p:cNvPr id="15" name="Straight Arrow Connector 14">
+              <a:extLst>
+                <a:ext uri="{FF2B5EF4-FFF2-40B4-BE49-F238E27FC236}">
+                  <a16:creationId xmlns:a16="http://schemas.microsoft.com/office/drawing/2014/main" id="{64EDA871-C956-20E9-B5BD-72F6382CACC6}"/>
+                </a:ext>
+              </a:extLst>
+            </p:cNvPr>
+            <p:cNvCxnSpPr>
+              <a:cxnSpLocks/>
+              <a:stCxn id="17" idx="0"/>
+            </p:cNvCxnSpPr>
+            <p:nvPr/>
+          </p:nvCxnSpPr>
+          <p:spPr>
+            <a:xfrm flipH="1" flipV="1">
+              <a:off x="3057680" y="1072123"/>
+              <a:ext cx="342875" cy="308182"/>
+            </a:xfrm>
+            <a:prstGeom prst="straightConnector1">
+              <a:avLst/>
+            </a:prstGeom>
+            <a:ln w="12700">
+              <a:solidFill>
+                <a:schemeClr val="tx1"/>
+              </a:solidFill>
+              <a:tailEnd type="triangle"/>
+            </a:ln>
+          </p:spPr>
+          <p:style>
+            <a:lnRef idx="1">
+              <a:schemeClr val="accent1"/>
+            </a:lnRef>
+            <a:fillRef idx="0">
+              <a:schemeClr val="accent1"/>
+            </a:fillRef>
+            <a:effectRef idx="0">
+              <a:schemeClr val="accent1"/>
+            </a:effectRef>
+            <a:fontRef idx="minor">
+              <a:schemeClr val="tx1"/>
+            </a:fontRef>
+          </p:style>
+        </p:cxnSp>
+        <p:sp>
+          <p:nvSpPr>
+            <p:cNvPr id="17" name="TextBox 16">
+              <a:extLst>
+                <a:ext uri="{FF2B5EF4-FFF2-40B4-BE49-F238E27FC236}">
+                  <a16:creationId xmlns:a16="http://schemas.microsoft.com/office/drawing/2014/main" id="{7237E9CE-38E0-3C34-80D9-733418A18FD1}"/>
+                </a:ext>
+              </a:extLst>
+            </p:cNvPr>
+            <p:cNvSpPr txBox="1"/>
+            <p:nvPr/>
+          </p:nvSpPr>
+          <p:spPr>
+            <a:xfrm>
+              <a:off x="3010313" y="1380305"/>
+              <a:ext cx="780483" cy="600164"/>
+            </a:xfrm>
+            <a:prstGeom prst="rect">
+              <a:avLst/>
+            </a:prstGeom>
+            <a:noFill/>
+          </p:spPr>
+          <p:txBody>
+            <a:bodyPr wrap="square" rtlCol="0">
+              <a:spAutoFit/>
+            </a:bodyPr>
+            <a:lstStyle/>
+            <a:p>
+              <a:pPr algn="ctr"/>
+              <a:r>
+                <a:rPr lang="en-US" sz="1100" b="1" dirty="0"/>
+                <a:t>Return to Home Active</a:t>
+              </a:r>
+            </a:p>
+          </p:txBody>
+        </p:sp>
+        <p:cxnSp>
+          <p:nvCxnSpPr>
+            <p:cNvPr id="18" name="Straight Arrow Connector 17">
+              <a:extLst>
+                <a:ext uri="{FF2B5EF4-FFF2-40B4-BE49-F238E27FC236}">
+                  <a16:creationId xmlns:a16="http://schemas.microsoft.com/office/drawing/2014/main" id="{A2C19C20-37C8-26E8-3C51-56E92003CDAB}"/>
+                </a:ext>
+              </a:extLst>
+            </p:cNvPr>
+            <p:cNvCxnSpPr>
+              <a:cxnSpLocks/>
+              <a:stCxn id="20" idx="0"/>
+            </p:cNvCxnSpPr>
+            <p:nvPr/>
+          </p:nvCxnSpPr>
+          <p:spPr>
+            <a:xfrm flipV="1">
+              <a:off x="4756685" y="661307"/>
+              <a:ext cx="274275" cy="503554"/>
+            </a:xfrm>
+            <a:prstGeom prst="straightConnector1">
+              <a:avLst/>
+            </a:prstGeom>
+            <a:ln w="12700">
+              <a:solidFill>
+                <a:schemeClr val="tx1"/>
+              </a:solidFill>
+              <a:tailEnd type="triangle"/>
+            </a:ln>
+          </p:spPr>
+          <p:style>
+            <a:lnRef idx="1">
+              <a:schemeClr val="accent1"/>
+            </a:lnRef>
+            <a:fillRef idx="0">
+              <a:schemeClr val="accent1"/>
+            </a:fillRef>
+            <a:effectRef idx="0">
+              <a:schemeClr val="accent1"/>
+            </a:effectRef>
+            <a:fontRef idx="minor">
+              <a:schemeClr val="tx1"/>
+            </a:fontRef>
+          </p:style>
+        </p:cxnSp>
+        <p:sp>
+          <p:nvSpPr>
+            <p:cNvPr id="20" name="TextBox 19">
+              <a:extLst>
+                <a:ext uri="{FF2B5EF4-FFF2-40B4-BE49-F238E27FC236}">
+                  <a16:creationId xmlns:a16="http://schemas.microsoft.com/office/drawing/2014/main" id="{642AB0DE-CFDD-3AF2-47FF-DDABA7A4C052}"/>
+                </a:ext>
+              </a:extLst>
+            </p:cNvPr>
+            <p:cNvSpPr txBox="1"/>
+            <p:nvPr/>
+          </p:nvSpPr>
+          <p:spPr>
+            <a:xfrm>
+              <a:off x="4366443" y="1164861"/>
+              <a:ext cx="780483" cy="430887"/>
+            </a:xfrm>
+            <a:prstGeom prst="rect">
+              <a:avLst/>
+            </a:prstGeom>
+            <a:noFill/>
+          </p:spPr>
+          <p:txBody>
+            <a:bodyPr wrap="square" rtlCol="0">
+              <a:spAutoFit/>
+            </a:bodyPr>
+            <a:lstStyle/>
+            <a:p>
+              <a:pPr algn="ctr"/>
+              <a:r>
+                <a:rPr lang="en-US" sz="1100" b="1" dirty="0"/>
+                <a:t>Marker Detected</a:t>
+              </a:r>
+            </a:p>
+          </p:txBody>
+        </p:sp>
+        <p:sp>
+          <p:nvSpPr>
+            <p:cNvPr id="23" name="TextBox 22">
+              <a:extLst>
+                <a:ext uri="{FF2B5EF4-FFF2-40B4-BE49-F238E27FC236}">
+                  <a16:creationId xmlns:a16="http://schemas.microsoft.com/office/drawing/2014/main" id="{E85EFD80-5478-8677-52F8-7F9828CB41BC}"/>
+                </a:ext>
+              </a:extLst>
+            </p:cNvPr>
+            <p:cNvSpPr txBox="1"/>
+            <p:nvPr/>
+          </p:nvSpPr>
+          <p:spPr>
+            <a:xfrm>
+              <a:off x="3694945" y="890739"/>
+              <a:ext cx="780483" cy="430887"/>
+            </a:xfrm>
+            <a:prstGeom prst="rect">
+              <a:avLst/>
+            </a:prstGeom>
+            <a:noFill/>
+          </p:spPr>
+          <p:txBody>
+            <a:bodyPr wrap="square" rtlCol="0">
+              <a:spAutoFit/>
+            </a:bodyPr>
+            <a:lstStyle/>
+            <a:p>
+              <a:pPr algn="ctr"/>
+              <a:r>
+                <a:rPr lang="en-US" sz="1100" b="1" dirty="0"/>
+                <a:t>At Height 20 meter</a:t>
+              </a:r>
+            </a:p>
+          </p:txBody>
+        </p:sp>
+        <p:cxnSp>
+          <p:nvCxnSpPr>
+            <p:cNvPr id="24" name="Straight Arrow Connector 23">
+              <a:extLst>
+                <a:ext uri="{FF2B5EF4-FFF2-40B4-BE49-F238E27FC236}">
+                  <a16:creationId xmlns:a16="http://schemas.microsoft.com/office/drawing/2014/main" id="{5F1BA0E0-4A86-DC36-CF0A-B385EA9E8DDD}"/>
+                </a:ext>
+              </a:extLst>
+            </p:cNvPr>
+            <p:cNvCxnSpPr>
+              <a:cxnSpLocks/>
+              <a:stCxn id="23" idx="0"/>
+            </p:cNvCxnSpPr>
+            <p:nvPr/>
+          </p:nvCxnSpPr>
+          <p:spPr>
+            <a:xfrm flipH="1" flipV="1">
+              <a:off x="3778706" y="661307"/>
+              <a:ext cx="306481" cy="229432"/>
+            </a:xfrm>
+            <a:prstGeom prst="straightConnector1">
+              <a:avLst/>
+            </a:prstGeom>
+            <a:ln w="12700">
+              <a:solidFill>
+                <a:schemeClr val="tx1"/>
+              </a:solidFill>
+              <a:tailEnd type="triangle"/>
+            </a:ln>
+          </p:spPr>
+          <p:style>
+            <a:lnRef idx="1">
+              <a:schemeClr val="accent1"/>
+            </a:lnRef>
+            <a:fillRef idx="0">
+              <a:schemeClr val="accent1"/>
+            </a:fillRef>
+            <a:effectRef idx="0">
+              <a:schemeClr val="accent1"/>
+            </a:effectRef>
+            <a:fontRef idx="minor">
+              <a:schemeClr val="tx1"/>
+            </a:fontRef>
+          </p:style>
+        </p:cxnSp>
+        <p:cxnSp>
+          <p:nvCxnSpPr>
+            <p:cNvPr id="35" name="Straight Arrow Connector 34">
+              <a:extLst>
+                <a:ext uri="{FF2B5EF4-FFF2-40B4-BE49-F238E27FC236}">
+                  <a16:creationId xmlns:a16="http://schemas.microsoft.com/office/drawing/2014/main" id="{F002690E-062C-B3ED-61B1-BD94C5043307}"/>
+                </a:ext>
+              </a:extLst>
+            </p:cNvPr>
+            <p:cNvCxnSpPr>
+              <a:cxnSpLocks/>
+              <a:stCxn id="36" idx="2"/>
+            </p:cNvCxnSpPr>
+            <p:nvPr/>
+          </p:nvCxnSpPr>
+          <p:spPr>
+            <a:xfrm flipH="1">
+              <a:off x="6901610" y="2824402"/>
+              <a:ext cx="332895" cy="188219"/>
+            </a:xfrm>
+            <a:prstGeom prst="straightConnector1">
+              <a:avLst/>
+            </a:prstGeom>
+            <a:ln w="12700">
+              <a:solidFill>
+                <a:schemeClr val="tx1"/>
+              </a:solidFill>
+              <a:tailEnd type="triangle"/>
+            </a:ln>
+          </p:spPr>
+          <p:style>
+            <a:lnRef idx="1">
+              <a:schemeClr val="accent1"/>
+            </a:lnRef>
+            <a:fillRef idx="0">
+              <a:schemeClr val="accent1"/>
+            </a:fillRef>
+            <a:effectRef idx="0">
+              <a:schemeClr val="accent1"/>
+            </a:effectRef>
+            <a:fontRef idx="minor">
+              <a:schemeClr val="tx1"/>
+            </a:fontRef>
+          </p:style>
+        </p:cxnSp>
+        <p:sp>
+          <p:nvSpPr>
+            <p:cNvPr id="36" name="TextBox 35">
+              <a:extLst>
+                <a:ext uri="{FF2B5EF4-FFF2-40B4-BE49-F238E27FC236}">
+                  <a16:creationId xmlns:a16="http://schemas.microsoft.com/office/drawing/2014/main" id="{3FC51F40-4F78-A913-2A12-547039396ECF}"/>
+                </a:ext>
+              </a:extLst>
+            </p:cNvPr>
+            <p:cNvSpPr txBox="1"/>
+            <p:nvPr/>
+          </p:nvSpPr>
+          <p:spPr>
+            <a:xfrm>
+              <a:off x="6844263" y="2393515"/>
+              <a:ext cx="780483" cy="430887"/>
+            </a:xfrm>
+            <a:prstGeom prst="rect">
+              <a:avLst/>
+            </a:prstGeom>
+            <a:noFill/>
+          </p:spPr>
+          <p:txBody>
+            <a:bodyPr wrap="square" rtlCol="0">
+              <a:spAutoFit/>
+            </a:bodyPr>
+            <a:lstStyle/>
+            <a:p>
+              <a:pPr algn="ctr"/>
+              <a:r>
+                <a:rPr lang="en-US" sz="1100" b="1" dirty="0"/>
+                <a:t>Land at Home</a:t>
+              </a:r>
+            </a:p>
+          </p:txBody>
+        </p:sp>
+        <p:cxnSp>
+          <p:nvCxnSpPr>
+            <p:cNvPr id="41" name="Straight Arrow Connector 40">
+              <a:extLst>
+                <a:ext uri="{FF2B5EF4-FFF2-40B4-BE49-F238E27FC236}">
+                  <a16:creationId xmlns:a16="http://schemas.microsoft.com/office/drawing/2014/main" id="{49D4EA24-11B8-6546-9F7D-91F626B32306}"/>
+                </a:ext>
+              </a:extLst>
+            </p:cNvPr>
+            <p:cNvCxnSpPr>
+              <a:cxnSpLocks/>
+              <a:stCxn id="42" idx="0"/>
+            </p:cNvCxnSpPr>
+            <p:nvPr/>
+          </p:nvCxnSpPr>
+          <p:spPr>
+            <a:xfrm flipH="1" flipV="1">
+              <a:off x="4935909" y="3110593"/>
+              <a:ext cx="768313" cy="318407"/>
+            </a:xfrm>
+            <a:prstGeom prst="straightConnector1">
+              <a:avLst/>
+            </a:prstGeom>
+            <a:ln w="12700">
+              <a:solidFill>
+                <a:schemeClr val="tx1"/>
+              </a:solidFill>
+              <a:tailEnd type="triangle"/>
+            </a:ln>
+          </p:spPr>
+          <p:style>
+            <a:lnRef idx="1">
+              <a:schemeClr val="accent1"/>
+            </a:lnRef>
+            <a:fillRef idx="0">
+              <a:schemeClr val="accent1"/>
+            </a:fillRef>
+            <a:effectRef idx="0">
+              <a:schemeClr val="accent1"/>
+            </a:effectRef>
+            <a:fontRef idx="minor">
+              <a:schemeClr val="tx1"/>
+            </a:fontRef>
+          </p:style>
+        </p:cxnSp>
+        <p:sp>
+          <p:nvSpPr>
+            <p:cNvPr id="42" name="TextBox 41">
+              <a:extLst>
+                <a:ext uri="{FF2B5EF4-FFF2-40B4-BE49-F238E27FC236}">
+                  <a16:creationId xmlns:a16="http://schemas.microsoft.com/office/drawing/2014/main" id="{D7B1F275-CFEB-B7C5-5D60-BAC39018BFE2}"/>
+                </a:ext>
+              </a:extLst>
+            </p:cNvPr>
+            <p:cNvSpPr txBox="1"/>
+            <p:nvPr/>
+          </p:nvSpPr>
+          <p:spPr>
+            <a:xfrm>
+              <a:off x="5064214" y="3429000"/>
+              <a:ext cx="1280015" cy="430887"/>
+            </a:xfrm>
+            <a:prstGeom prst="rect">
+              <a:avLst/>
+            </a:prstGeom>
+            <a:noFill/>
+          </p:spPr>
+          <p:txBody>
+            <a:bodyPr wrap="square" rtlCol="0">
+              <a:spAutoFit/>
+            </a:bodyPr>
+            <a:lstStyle/>
+            <a:p>
+              <a:pPr algn="ctr"/>
+              <a:r>
+                <a:rPr lang="en-US" sz="1100" b="1" dirty="0"/>
+                <a:t>X and Y Position close to Home</a:t>
+              </a:r>
+            </a:p>
+          </p:txBody>
+        </p:sp>
+        <p:sp>
+          <p:nvSpPr>
+            <p:cNvPr id="47" name="TextBox 46">
+              <a:extLst>
+                <a:ext uri="{FF2B5EF4-FFF2-40B4-BE49-F238E27FC236}">
+                  <a16:creationId xmlns:a16="http://schemas.microsoft.com/office/drawing/2014/main" id="{3D66BE8F-E5E2-1B39-66C3-9D5F9F0F1965}"/>
+                </a:ext>
+              </a:extLst>
+            </p:cNvPr>
+            <p:cNvSpPr txBox="1"/>
+            <p:nvPr/>
+          </p:nvSpPr>
+          <p:spPr>
+            <a:xfrm>
+              <a:off x="2391122" y="3041861"/>
+              <a:ext cx="1280015" cy="430887"/>
+            </a:xfrm>
+            <a:prstGeom prst="rect">
+              <a:avLst/>
+            </a:prstGeom>
+            <a:noFill/>
+          </p:spPr>
+          <p:txBody>
+            <a:bodyPr wrap="square" rtlCol="0">
+              <a:spAutoFit/>
+            </a:bodyPr>
+            <a:lstStyle/>
+            <a:p>
+              <a:pPr algn="ctr"/>
+              <a:r>
+                <a:rPr lang="en-US" sz="1100" b="1" dirty="0"/>
+                <a:t>X and Y Position Correction</a:t>
+              </a:r>
+            </a:p>
+          </p:txBody>
+        </p:sp>
+        <p:cxnSp>
+          <p:nvCxnSpPr>
+            <p:cNvPr id="48" name="Straight Arrow Connector 47">
+              <a:extLst>
+                <a:ext uri="{FF2B5EF4-FFF2-40B4-BE49-F238E27FC236}">
+                  <a16:creationId xmlns:a16="http://schemas.microsoft.com/office/drawing/2014/main" id="{2B38B6C4-DA07-8726-9A2B-72074643C851}"/>
+                </a:ext>
+              </a:extLst>
+            </p:cNvPr>
+            <p:cNvCxnSpPr>
+              <a:cxnSpLocks/>
+              <a:stCxn id="47" idx="2"/>
+            </p:cNvCxnSpPr>
+            <p:nvPr/>
+          </p:nvCxnSpPr>
+          <p:spPr>
+            <a:xfrm>
+              <a:off x="3031130" y="3472748"/>
+              <a:ext cx="765709" cy="517541"/>
+            </a:xfrm>
+            <a:prstGeom prst="straightConnector1">
+              <a:avLst/>
+            </a:prstGeom>
+            <a:ln w="12700">
+              <a:solidFill>
+                <a:schemeClr val="tx1"/>
+              </a:solidFill>
+              <a:tailEnd type="triangle"/>
+            </a:ln>
+          </p:spPr>
+          <p:style>
+            <a:lnRef idx="1">
+              <a:schemeClr val="accent1"/>
+            </a:lnRef>
+            <a:fillRef idx="0">
+              <a:schemeClr val="accent1"/>
+            </a:fillRef>
+            <a:effectRef idx="0">
+              <a:schemeClr val="accent1"/>
+            </a:effectRef>
+            <a:fontRef idx="minor">
+              <a:schemeClr val="tx1"/>
+            </a:fontRef>
+          </p:style>
+        </p:cxnSp>
+        <p:cxnSp>
+          <p:nvCxnSpPr>
+            <p:cNvPr id="51" name="Straight Arrow Connector 50">
+              <a:extLst>
+                <a:ext uri="{FF2B5EF4-FFF2-40B4-BE49-F238E27FC236}">
+                  <a16:creationId xmlns:a16="http://schemas.microsoft.com/office/drawing/2014/main" id="{5387BADF-31EE-7096-385F-6B73A01D20F6}"/>
+                </a:ext>
+              </a:extLst>
+            </p:cNvPr>
+            <p:cNvCxnSpPr>
+              <a:cxnSpLocks/>
+              <a:stCxn id="47" idx="2"/>
+            </p:cNvCxnSpPr>
+            <p:nvPr/>
+          </p:nvCxnSpPr>
+          <p:spPr>
+            <a:xfrm>
+              <a:off x="3031130" y="3472748"/>
+              <a:ext cx="768312" cy="884117"/>
+            </a:xfrm>
+            <a:prstGeom prst="straightConnector1">
+              <a:avLst/>
+            </a:prstGeom>
+            <a:ln w="12700">
+              <a:solidFill>
+                <a:schemeClr val="tx1"/>
+              </a:solidFill>
+              <a:tailEnd type="triangle"/>
+            </a:ln>
+          </p:spPr>
+          <p:style>
+            <a:lnRef idx="1">
+              <a:schemeClr val="accent1"/>
+            </a:lnRef>
+            <a:fillRef idx="0">
+              <a:schemeClr val="accent1"/>
+            </a:fillRef>
+            <a:effectRef idx="0">
+              <a:schemeClr val="accent1"/>
+            </a:effectRef>
+            <a:fontRef idx="minor">
+              <a:schemeClr val="tx1"/>
+            </a:fontRef>
+          </p:style>
+        </p:cxnSp>
+      </p:grpSp>
+    </p:spTree>
+    <p:extLst>
+      <p:ext uri="{BB962C8B-B14F-4D97-AF65-F5344CB8AC3E}">
+        <p14:creationId xmlns:p14="http://schemas.microsoft.com/office/powerpoint/2010/main" val="1893762478"/>
+      </p:ext>
+    </p:extLst>
+  </p:cSld>
+  <p:clrMapOvr>
+    <a:masterClrMapping/>
+  </p:clrMapOvr>
+</p:sld>
+</file>
+
+<file path=ppt/slides/slide6.xml><?xml version="1.0" encoding="utf-8"?>
+<p:sld xmlns:a="http://schemas.openxmlformats.org/drawingml/2006/main" xmlns:r="http://schemas.openxmlformats.org/officeDocument/2006/relationships" xmlns:p="http://schemas.openxmlformats.org/presentationml/2006/main">
+  <p:cSld>
+    <p:spTree>
+      <p:nvGrpSpPr>
+        <p:cNvPr id="1" name=""/>
+        <p:cNvGrpSpPr/>
+        <p:nvPr/>
+      </p:nvGrpSpPr>
+      <p:grpSpPr>
+        <a:xfrm>
+          <a:off x="0" y="0"/>
+          <a:ext cx="0" cy="0"/>
+          <a:chOff x="0" y="0"/>
+          <a:chExt cx="0" cy="0"/>
+        </a:xfrm>
+      </p:grpSpPr>
+      <p:grpSp>
+        <p:nvGrpSpPr>
+          <p:cNvPr id="65" name="Group 64">
+            <a:extLst>
+              <a:ext uri="{FF2B5EF4-FFF2-40B4-BE49-F238E27FC236}">
+                <a16:creationId xmlns:a16="http://schemas.microsoft.com/office/drawing/2014/main" id="{86252ABF-E118-0CA6-D7B1-6DC93DD9C37F}"/>
+              </a:ext>
+            </a:extLst>
+          </p:cNvPr>
+          <p:cNvGrpSpPr/>
+          <p:nvPr/>
+        </p:nvGrpSpPr>
+        <p:grpSpPr>
+          <a:xfrm>
+            <a:off x="2255680" y="579663"/>
+            <a:ext cx="6242637" cy="4873019"/>
+            <a:chOff x="2255680" y="579663"/>
+            <a:chExt cx="6242637" cy="4873019"/>
+          </a:xfrm>
+        </p:grpSpPr>
+        <p:grpSp>
+          <p:nvGrpSpPr>
+            <p:cNvPr id="56" name="Group 55">
+              <a:extLst>
+                <a:ext uri="{FF2B5EF4-FFF2-40B4-BE49-F238E27FC236}">
+                  <a16:creationId xmlns:a16="http://schemas.microsoft.com/office/drawing/2014/main" id="{3F42D8DA-8721-7BBD-35EE-7869D45EFDED}"/>
+                </a:ext>
+              </a:extLst>
+            </p:cNvPr>
+            <p:cNvGrpSpPr/>
+            <p:nvPr/>
+          </p:nvGrpSpPr>
+          <p:grpSpPr>
+            <a:xfrm>
+              <a:off x="2255680" y="579663"/>
+              <a:ext cx="6242637" cy="4873019"/>
+              <a:chOff x="786109" y="321905"/>
+              <a:chExt cx="8319487" cy="6494214"/>
+            </a:xfrm>
+          </p:grpSpPr>
+          <p:grpSp>
+            <p:nvGrpSpPr>
+              <p:cNvPr id="32" name="Group 31">
+                <a:extLst>
+                  <a:ext uri="{FF2B5EF4-FFF2-40B4-BE49-F238E27FC236}">
+                    <a16:creationId xmlns:a16="http://schemas.microsoft.com/office/drawing/2014/main" id="{8855EBFA-47FB-737E-FA11-63CCF9F30BE4}"/>
+                  </a:ext>
+                </a:extLst>
+              </p:cNvPr>
+              <p:cNvGrpSpPr/>
+              <p:nvPr/>
+            </p:nvGrpSpPr>
+            <p:grpSpPr>
+              <a:xfrm>
+                <a:off x="786109" y="321905"/>
+                <a:ext cx="2753217" cy="2102888"/>
+                <a:chOff x="786109" y="321905"/>
+                <a:chExt cx="2753217" cy="2102888"/>
+              </a:xfrm>
+            </p:grpSpPr>
+            <p:pic>
+              <p:nvPicPr>
+                <p:cNvPr id="5" name="Picture 4">
+                  <a:extLst>
+                    <a:ext uri="{FF2B5EF4-FFF2-40B4-BE49-F238E27FC236}">
+                      <a16:creationId xmlns:a16="http://schemas.microsoft.com/office/drawing/2014/main" id="{5EC6CEF8-4127-EEB8-A08A-7FD51C00FD2D}"/>
+                    </a:ext>
+                  </a:extLst>
+                </p:cNvPr>
+                <p:cNvPicPr>
+                  <a:picLocks noChangeAspect="1"/>
+                </p:cNvPicPr>
+                <p:nvPr/>
+              </p:nvPicPr>
+              <p:blipFill>
+                <a:blip r:embed="rId2"/>
+                <a:stretch>
+                  <a:fillRect/>
+                </a:stretch>
+              </p:blipFill>
+              <p:spPr>
+                <a:xfrm>
+                  <a:off x="786109" y="321905"/>
+                  <a:ext cx="2753217" cy="2102888"/>
+                </a:xfrm>
+                <a:prstGeom prst="rect">
+                  <a:avLst/>
+                </a:prstGeom>
+              </p:spPr>
+            </p:pic>
+            <p:sp>
+              <p:nvSpPr>
+                <p:cNvPr id="6" name="Rectangle 5">
+                  <a:extLst>
+                    <a:ext uri="{FF2B5EF4-FFF2-40B4-BE49-F238E27FC236}">
+                      <a16:creationId xmlns:a16="http://schemas.microsoft.com/office/drawing/2014/main" id="{8316BFC0-BCC4-FF3A-74D6-953DBC7C17F6}"/>
+                    </a:ext>
+                  </a:extLst>
+                </p:cNvPr>
+                <p:cNvSpPr/>
+                <p:nvPr/>
+              </p:nvSpPr>
+              <p:spPr>
+                <a:xfrm>
+                  <a:off x="786109" y="321905"/>
+                  <a:ext cx="1561227" cy="1083949"/>
+                </a:xfrm>
+                <a:prstGeom prst="rect">
+                  <a:avLst/>
+                </a:prstGeom>
+                <a:noFill/>
+                <a:ln>
+                  <a:solidFill>
+                    <a:srgbClr val="00B050"/>
+                  </a:solidFill>
+                </a:ln>
+              </p:spPr>
+              <p:style>
+                <a:lnRef idx="2">
+                  <a:schemeClr val="accent1">
+                    <a:shade val="50000"/>
+                  </a:schemeClr>
+                </a:lnRef>
+                <a:fillRef idx="1">
+                  <a:schemeClr val="accent1"/>
+                </a:fillRef>
+                <a:effectRef idx="0">
+                  <a:schemeClr val="accent1"/>
+                </a:effectRef>
+                <a:fontRef idx="minor">
+                  <a:schemeClr val="lt1"/>
+                </a:fontRef>
+              </p:style>
+              <p:txBody>
+                <a:bodyPr rtlCol="0" anchor="ctr"/>
+                <a:lstStyle/>
+                <a:p>
+                  <a:pPr algn="ctr"/>
+                  <a:endParaRPr lang="en-US"/>
+                </a:p>
+              </p:txBody>
+            </p:sp>
+            <p:sp>
+              <p:nvSpPr>
+                <p:cNvPr id="7" name="Oval 6">
+                  <a:extLst>
+                    <a:ext uri="{FF2B5EF4-FFF2-40B4-BE49-F238E27FC236}">
+                      <a16:creationId xmlns:a16="http://schemas.microsoft.com/office/drawing/2014/main" id="{5D84FDCE-850C-CF82-DC06-14CC20E6A844}"/>
+                    </a:ext>
+                  </a:extLst>
+                </p:cNvPr>
+                <p:cNvSpPr/>
+                <p:nvPr/>
+              </p:nvSpPr>
+              <p:spPr>
+                <a:xfrm>
+                  <a:off x="3172517" y="681306"/>
+                  <a:ext cx="140885" cy="134175"/>
+                </a:xfrm>
+                <a:prstGeom prst="ellipse">
+                  <a:avLst/>
+                </a:prstGeom>
+                <a:noFill/>
+                <a:ln w="28575">
+                  <a:solidFill>
+                    <a:srgbClr val="FFFF00"/>
+                  </a:solidFill>
+                </a:ln>
+              </p:spPr>
+              <p:style>
+                <a:lnRef idx="2">
+                  <a:schemeClr val="accent1">
+                    <a:shade val="50000"/>
+                  </a:schemeClr>
+                </a:lnRef>
+                <a:fillRef idx="1">
+                  <a:schemeClr val="accent1"/>
+                </a:fillRef>
+                <a:effectRef idx="0">
+                  <a:schemeClr val="accent1"/>
+                </a:effectRef>
+                <a:fontRef idx="minor">
+                  <a:schemeClr val="lt1"/>
+                </a:fontRef>
+              </p:style>
+              <p:txBody>
+                <a:bodyPr rtlCol="0" anchor="ctr"/>
+                <a:lstStyle/>
+                <a:p>
+                  <a:pPr algn="ctr"/>
+                  <a:endParaRPr lang="en-US"/>
+                </a:p>
+              </p:txBody>
+            </p:sp>
+            <p:sp>
+              <p:nvSpPr>
+                <p:cNvPr id="8" name="Oval 7">
+                  <a:extLst>
+                    <a:ext uri="{FF2B5EF4-FFF2-40B4-BE49-F238E27FC236}">
+                      <a16:creationId xmlns:a16="http://schemas.microsoft.com/office/drawing/2014/main" id="{06701141-A943-EABA-3D2B-6DBC971C7957}"/>
+                    </a:ext>
+                  </a:extLst>
+                </p:cNvPr>
+                <p:cNvSpPr/>
+                <p:nvPr/>
+              </p:nvSpPr>
+              <p:spPr>
+                <a:xfrm>
+                  <a:off x="3200471" y="2161712"/>
+                  <a:ext cx="140885" cy="134175"/>
+                </a:xfrm>
+                <a:prstGeom prst="ellipse">
+                  <a:avLst/>
+                </a:prstGeom>
+                <a:noFill/>
+                <a:ln w="28575">
+                  <a:solidFill>
+                    <a:srgbClr val="00B050"/>
+                  </a:solidFill>
+                </a:ln>
+              </p:spPr>
+              <p:style>
+                <a:lnRef idx="2">
+                  <a:schemeClr val="accent1">
+                    <a:shade val="50000"/>
+                  </a:schemeClr>
+                </a:lnRef>
+                <a:fillRef idx="1">
+                  <a:schemeClr val="accent1"/>
+                </a:fillRef>
+                <a:effectRef idx="0">
+                  <a:schemeClr val="accent1"/>
+                </a:effectRef>
+                <a:fontRef idx="minor">
+                  <a:schemeClr val="lt1"/>
+                </a:fontRef>
+              </p:style>
+              <p:txBody>
+                <a:bodyPr rtlCol="0" anchor="ctr"/>
+                <a:lstStyle/>
+                <a:p>
+                  <a:pPr algn="ctr"/>
+                  <a:endParaRPr lang="en-US"/>
+                </a:p>
+              </p:txBody>
+            </p:sp>
+          </p:grpSp>
+          <p:grpSp>
+            <p:nvGrpSpPr>
+              <p:cNvPr id="33" name="Group 32">
+                <a:extLst>
+                  <a:ext uri="{FF2B5EF4-FFF2-40B4-BE49-F238E27FC236}">
+                    <a16:creationId xmlns:a16="http://schemas.microsoft.com/office/drawing/2014/main" id="{F1263687-2077-80D8-937E-3758BFC84D0F}"/>
+                  </a:ext>
+                </a:extLst>
+              </p:cNvPr>
+              <p:cNvGrpSpPr/>
+              <p:nvPr/>
+            </p:nvGrpSpPr>
+            <p:grpSpPr>
+              <a:xfrm>
+                <a:off x="3667684" y="321905"/>
+                <a:ext cx="2640504" cy="2102888"/>
+                <a:chOff x="3667684" y="321905"/>
+                <a:chExt cx="2640504" cy="2102888"/>
+              </a:xfrm>
+            </p:grpSpPr>
+            <p:pic>
+              <p:nvPicPr>
+                <p:cNvPr id="11" name="Picture 10">
+                  <a:extLst>
+                    <a:ext uri="{FF2B5EF4-FFF2-40B4-BE49-F238E27FC236}">
+                      <a16:creationId xmlns:a16="http://schemas.microsoft.com/office/drawing/2014/main" id="{82753DBC-80F3-EC5E-9F2C-9B2412655985}"/>
+                    </a:ext>
+                  </a:extLst>
+                </p:cNvPr>
+                <p:cNvPicPr>
+                  <a:picLocks noChangeAspect="1"/>
+                </p:cNvPicPr>
+                <p:nvPr/>
+              </p:nvPicPr>
+              <p:blipFill>
+                <a:blip r:embed="rId3"/>
+                <a:stretch>
+                  <a:fillRect/>
+                </a:stretch>
+              </p:blipFill>
+              <p:spPr>
+                <a:xfrm>
+                  <a:off x="3667684" y="321905"/>
+                  <a:ext cx="2640504" cy="2102888"/>
+                </a:xfrm>
+                <a:prstGeom prst="rect">
+                  <a:avLst/>
+                </a:prstGeom>
+              </p:spPr>
+            </p:pic>
+            <p:sp>
+              <p:nvSpPr>
+                <p:cNvPr id="12" name="Rectangle 11">
+                  <a:extLst>
+                    <a:ext uri="{FF2B5EF4-FFF2-40B4-BE49-F238E27FC236}">
+                      <a16:creationId xmlns:a16="http://schemas.microsoft.com/office/drawing/2014/main" id="{FE10FEB8-8699-D5B8-B479-93E7EC52DB15}"/>
+                    </a:ext>
+                  </a:extLst>
+                </p:cNvPr>
+                <p:cNvSpPr/>
+                <p:nvPr/>
+              </p:nvSpPr>
+              <p:spPr>
+                <a:xfrm>
+                  <a:off x="3667684" y="321905"/>
+                  <a:ext cx="1571999" cy="1082765"/>
+                </a:xfrm>
+                <a:prstGeom prst="rect">
+                  <a:avLst/>
+                </a:prstGeom>
+                <a:noFill/>
+                <a:ln>
+                  <a:solidFill>
+                    <a:srgbClr val="00B050"/>
+                  </a:solidFill>
+                </a:ln>
+              </p:spPr>
+              <p:style>
+                <a:lnRef idx="2">
+                  <a:schemeClr val="accent1">
+                    <a:shade val="50000"/>
+                  </a:schemeClr>
+                </a:lnRef>
+                <a:fillRef idx="1">
+                  <a:schemeClr val="accent1"/>
+                </a:fillRef>
+                <a:effectRef idx="0">
+                  <a:schemeClr val="accent1"/>
+                </a:effectRef>
+                <a:fontRef idx="minor">
+                  <a:schemeClr val="lt1"/>
+                </a:fontRef>
+              </p:style>
+              <p:txBody>
+                <a:bodyPr rtlCol="0" anchor="ctr"/>
+                <a:lstStyle/>
+                <a:p>
+                  <a:pPr algn="ctr"/>
+                  <a:endParaRPr lang="en-US"/>
+                </a:p>
+              </p:txBody>
+            </p:sp>
+            <p:sp>
+              <p:nvSpPr>
+                <p:cNvPr id="13" name="Oval 12">
+                  <a:extLst>
+                    <a:ext uri="{FF2B5EF4-FFF2-40B4-BE49-F238E27FC236}">
+                      <a16:creationId xmlns:a16="http://schemas.microsoft.com/office/drawing/2014/main" id="{B6E8E27E-8888-7DFE-3383-9816F85052AA}"/>
+                    </a:ext>
+                  </a:extLst>
+                </p:cNvPr>
+                <p:cNvSpPr/>
+                <p:nvPr/>
+              </p:nvSpPr>
+              <p:spPr>
+                <a:xfrm>
+                  <a:off x="6066423" y="514421"/>
+                  <a:ext cx="135117" cy="128682"/>
+                </a:xfrm>
+                <a:prstGeom prst="ellipse">
+                  <a:avLst/>
+                </a:prstGeom>
+                <a:noFill/>
+                <a:ln w="28575">
+                  <a:solidFill>
+                    <a:srgbClr val="FFFF00"/>
+                  </a:solidFill>
+                </a:ln>
+              </p:spPr>
+              <p:style>
+                <a:lnRef idx="2">
+                  <a:schemeClr val="accent1">
+                    <a:shade val="50000"/>
+                  </a:schemeClr>
+                </a:lnRef>
+                <a:fillRef idx="1">
+                  <a:schemeClr val="accent1"/>
+                </a:fillRef>
+                <a:effectRef idx="0">
+                  <a:schemeClr val="accent1"/>
+                </a:effectRef>
+                <a:fontRef idx="minor">
+                  <a:schemeClr val="lt1"/>
+                </a:fontRef>
+              </p:style>
+              <p:txBody>
+                <a:bodyPr rtlCol="0" anchor="ctr"/>
+                <a:lstStyle/>
+                <a:p>
+                  <a:pPr algn="ctr"/>
+                  <a:endParaRPr lang="en-US"/>
+                </a:p>
+              </p:txBody>
+            </p:sp>
+            <p:sp>
+              <p:nvSpPr>
+                <p:cNvPr id="14" name="Oval 13">
+                  <a:extLst>
+                    <a:ext uri="{FF2B5EF4-FFF2-40B4-BE49-F238E27FC236}">
+                      <a16:creationId xmlns:a16="http://schemas.microsoft.com/office/drawing/2014/main" id="{6DCE8F9A-5EAB-8E0E-5630-8304EB312A1D}"/>
+                    </a:ext>
+                  </a:extLst>
+                </p:cNvPr>
+                <p:cNvSpPr/>
+                <p:nvPr/>
+              </p:nvSpPr>
+              <p:spPr>
+                <a:xfrm>
+                  <a:off x="6091586" y="2172524"/>
+                  <a:ext cx="135117" cy="128682"/>
+                </a:xfrm>
+                <a:prstGeom prst="ellipse">
+                  <a:avLst/>
+                </a:prstGeom>
+                <a:noFill/>
+                <a:ln w="28575">
+                  <a:solidFill>
+                    <a:srgbClr val="00B050"/>
+                  </a:solidFill>
+                </a:ln>
+              </p:spPr>
+              <p:style>
+                <a:lnRef idx="2">
+                  <a:schemeClr val="accent1">
+                    <a:shade val="50000"/>
+                  </a:schemeClr>
+                </a:lnRef>
+                <a:fillRef idx="1">
+                  <a:schemeClr val="accent1"/>
+                </a:fillRef>
+                <a:effectRef idx="0">
+                  <a:schemeClr val="accent1"/>
+                </a:effectRef>
+                <a:fontRef idx="minor">
+                  <a:schemeClr val="lt1"/>
+                </a:fontRef>
+              </p:style>
+              <p:txBody>
+                <a:bodyPr rtlCol="0" anchor="ctr"/>
+                <a:lstStyle/>
+                <a:p>
+                  <a:pPr algn="ctr"/>
+                  <a:endParaRPr lang="en-US"/>
+                </a:p>
+              </p:txBody>
+            </p:sp>
+          </p:grpSp>
+          <p:grpSp>
+            <p:nvGrpSpPr>
+              <p:cNvPr id="34" name="Group 33">
+                <a:extLst>
+                  <a:ext uri="{FF2B5EF4-FFF2-40B4-BE49-F238E27FC236}">
+                    <a16:creationId xmlns:a16="http://schemas.microsoft.com/office/drawing/2014/main" id="{5BCB6579-0643-5635-90A1-31B5FC448031}"/>
+                  </a:ext>
+                </a:extLst>
+              </p:cNvPr>
+              <p:cNvGrpSpPr/>
+              <p:nvPr/>
+            </p:nvGrpSpPr>
+            <p:grpSpPr>
+              <a:xfrm>
+                <a:off x="6436546" y="321905"/>
+                <a:ext cx="2669050" cy="2102888"/>
+                <a:chOff x="6436546" y="321905"/>
+                <a:chExt cx="2669050" cy="2102888"/>
+              </a:xfrm>
+            </p:grpSpPr>
+            <p:pic>
+              <p:nvPicPr>
+                <p:cNvPr id="17" name="Picture 16">
+                  <a:extLst>
+                    <a:ext uri="{FF2B5EF4-FFF2-40B4-BE49-F238E27FC236}">
+                      <a16:creationId xmlns:a16="http://schemas.microsoft.com/office/drawing/2014/main" id="{C528D83B-94C9-A851-C0C0-124FED672A72}"/>
+                    </a:ext>
+                  </a:extLst>
+                </p:cNvPr>
+                <p:cNvPicPr>
+                  <a:picLocks noChangeAspect="1"/>
+                </p:cNvPicPr>
+                <p:nvPr/>
+              </p:nvPicPr>
+              <p:blipFill>
+                <a:blip r:embed="rId4"/>
+                <a:stretch>
+                  <a:fillRect/>
+                </a:stretch>
+              </p:blipFill>
+              <p:spPr>
+                <a:xfrm>
+                  <a:off x="6436546" y="321905"/>
+                  <a:ext cx="2669050" cy="2102888"/>
+                </a:xfrm>
+                <a:prstGeom prst="rect">
+                  <a:avLst/>
+                </a:prstGeom>
+              </p:spPr>
+            </p:pic>
+            <p:sp>
+              <p:nvSpPr>
+                <p:cNvPr id="18" name="Rectangle 17">
+                  <a:extLst>
+                    <a:ext uri="{FF2B5EF4-FFF2-40B4-BE49-F238E27FC236}">
+                      <a16:creationId xmlns:a16="http://schemas.microsoft.com/office/drawing/2014/main" id="{62A96C08-4091-A4A7-AEF3-EC5AEE19B6CB}"/>
+                    </a:ext>
+                  </a:extLst>
+                </p:cNvPr>
+                <p:cNvSpPr/>
+                <p:nvPr/>
+              </p:nvSpPr>
+              <p:spPr>
+                <a:xfrm>
+                  <a:off x="6436546" y="321905"/>
+                  <a:ext cx="1571999" cy="1082765"/>
+                </a:xfrm>
+                <a:prstGeom prst="rect">
+                  <a:avLst/>
+                </a:prstGeom>
+                <a:noFill/>
+                <a:ln>
+                  <a:solidFill>
+                    <a:srgbClr val="00B050"/>
+                  </a:solidFill>
+                </a:ln>
+              </p:spPr>
+              <p:style>
+                <a:lnRef idx="2">
+                  <a:schemeClr val="accent1">
+                    <a:shade val="50000"/>
+                  </a:schemeClr>
+                </a:lnRef>
+                <a:fillRef idx="1">
+                  <a:schemeClr val="accent1"/>
+                </a:fillRef>
+                <a:effectRef idx="0">
+                  <a:schemeClr val="accent1"/>
+                </a:effectRef>
+                <a:fontRef idx="minor">
+                  <a:schemeClr val="lt1"/>
+                </a:fontRef>
+              </p:style>
+              <p:txBody>
+                <a:bodyPr rtlCol="0" anchor="ctr"/>
+                <a:lstStyle/>
+                <a:p>
+                  <a:pPr algn="ctr"/>
+                  <a:endParaRPr lang="en-US"/>
+                </a:p>
+              </p:txBody>
+            </p:sp>
+            <p:sp>
+              <p:nvSpPr>
+                <p:cNvPr id="19" name="Oval 18">
+                  <a:extLst>
+                    <a:ext uri="{FF2B5EF4-FFF2-40B4-BE49-F238E27FC236}">
+                      <a16:creationId xmlns:a16="http://schemas.microsoft.com/office/drawing/2014/main" id="{DE726EA2-C8EA-FF50-1603-EC4952CA3E72}"/>
+                    </a:ext>
+                  </a:extLst>
+                </p:cNvPr>
+                <p:cNvSpPr/>
+                <p:nvPr/>
+              </p:nvSpPr>
+              <p:spPr>
+                <a:xfrm>
+                  <a:off x="8844119" y="634939"/>
+                  <a:ext cx="135117" cy="128682"/>
+                </a:xfrm>
+                <a:prstGeom prst="ellipse">
+                  <a:avLst/>
+                </a:prstGeom>
+                <a:noFill/>
+                <a:ln w="28575">
+                  <a:solidFill>
+                    <a:srgbClr val="FFFF00"/>
+                  </a:solidFill>
+                </a:ln>
+              </p:spPr>
+              <p:style>
+                <a:lnRef idx="2">
+                  <a:schemeClr val="accent1">
+                    <a:shade val="50000"/>
+                  </a:schemeClr>
+                </a:lnRef>
+                <a:fillRef idx="1">
+                  <a:schemeClr val="accent1"/>
+                </a:fillRef>
+                <a:effectRef idx="0">
+                  <a:schemeClr val="accent1"/>
+                </a:effectRef>
+                <a:fontRef idx="minor">
+                  <a:schemeClr val="lt1"/>
+                </a:fontRef>
+              </p:style>
+              <p:txBody>
+                <a:bodyPr rtlCol="0" anchor="ctr"/>
+                <a:lstStyle/>
+                <a:p>
+                  <a:pPr algn="ctr"/>
+                  <a:endParaRPr lang="en-US"/>
+                </a:p>
+              </p:txBody>
+            </p:sp>
+            <p:sp>
+              <p:nvSpPr>
+                <p:cNvPr id="20" name="Oval 19">
+                  <a:extLst>
+                    <a:ext uri="{FF2B5EF4-FFF2-40B4-BE49-F238E27FC236}">
+                      <a16:creationId xmlns:a16="http://schemas.microsoft.com/office/drawing/2014/main" id="{DE4B9F74-652E-7112-FDDD-84D4DD88BA03}"/>
+                    </a:ext>
+                  </a:extLst>
+                </p:cNvPr>
+                <p:cNvSpPr/>
+                <p:nvPr/>
+              </p:nvSpPr>
+              <p:spPr>
+                <a:xfrm>
+                  <a:off x="8860448" y="2172524"/>
+                  <a:ext cx="135117" cy="128682"/>
+                </a:xfrm>
+                <a:prstGeom prst="ellipse">
+                  <a:avLst/>
+                </a:prstGeom>
+                <a:noFill/>
+                <a:ln w="28575">
+                  <a:solidFill>
+                    <a:srgbClr val="00B050"/>
+                  </a:solidFill>
+                </a:ln>
+              </p:spPr>
+              <p:style>
+                <a:lnRef idx="2">
+                  <a:schemeClr val="accent1">
+                    <a:shade val="50000"/>
+                  </a:schemeClr>
+                </a:lnRef>
+                <a:fillRef idx="1">
+                  <a:schemeClr val="accent1"/>
+                </a:fillRef>
+                <a:effectRef idx="0">
+                  <a:schemeClr val="accent1"/>
+                </a:effectRef>
+                <a:fontRef idx="minor">
+                  <a:schemeClr val="lt1"/>
+                </a:fontRef>
+              </p:style>
+              <p:txBody>
+                <a:bodyPr rtlCol="0" anchor="ctr"/>
+                <a:lstStyle/>
+                <a:p>
+                  <a:pPr algn="ctr"/>
+                  <a:endParaRPr lang="en-US"/>
+                </a:p>
+              </p:txBody>
+            </p:sp>
+          </p:grpSp>
+          <p:grpSp>
+            <p:nvGrpSpPr>
+              <p:cNvPr id="31" name="Group 30">
+                <a:extLst>
+                  <a:ext uri="{FF2B5EF4-FFF2-40B4-BE49-F238E27FC236}">
+                    <a16:creationId xmlns:a16="http://schemas.microsoft.com/office/drawing/2014/main" id="{A8D6D19E-4F45-7FDE-E538-18819D3071F1}"/>
+                  </a:ext>
+                </a:extLst>
+              </p:cNvPr>
+              <p:cNvGrpSpPr/>
+              <p:nvPr/>
+            </p:nvGrpSpPr>
+            <p:grpSpPr>
+              <a:xfrm>
+                <a:off x="786109" y="2518099"/>
+                <a:ext cx="2756166" cy="2102888"/>
+                <a:chOff x="2483517" y="3016121"/>
+                <a:chExt cx="2756166" cy="2102888"/>
+              </a:xfrm>
+            </p:grpSpPr>
+            <p:pic>
+              <p:nvPicPr>
+                <p:cNvPr id="22" name="Picture 21">
+                  <a:extLst>
+                    <a:ext uri="{FF2B5EF4-FFF2-40B4-BE49-F238E27FC236}">
+                      <a16:creationId xmlns:a16="http://schemas.microsoft.com/office/drawing/2014/main" id="{650E3B1F-35BC-E068-4DA0-DC5DBDD6058C}"/>
+                    </a:ext>
+                  </a:extLst>
+                </p:cNvPr>
+                <p:cNvPicPr>
+                  <a:picLocks noChangeAspect="1"/>
+                </p:cNvPicPr>
+                <p:nvPr/>
+              </p:nvPicPr>
+              <p:blipFill>
+                <a:blip r:embed="rId5"/>
+                <a:stretch>
+                  <a:fillRect/>
+                </a:stretch>
+              </p:blipFill>
+              <p:spPr>
+                <a:xfrm>
+                  <a:off x="2483517" y="3016121"/>
+                  <a:ext cx="2756166" cy="2102888"/>
+                </a:xfrm>
+                <a:prstGeom prst="rect">
+                  <a:avLst/>
+                </a:prstGeom>
+              </p:spPr>
+            </p:pic>
+            <p:sp>
+              <p:nvSpPr>
+                <p:cNvPr id="23" name="Rectangle 22">
+                  <a:extLst>
+                    <a:ext uri="{FF2B5EF4-FFF2-40B4-BE49-F238E27FC236}">
+                      <a16:creationId xmlns:a16="http://schemas.microsoft.com/office/drawing/2014/main" id="{4F838C80-EA56-769C-0895-54EF9C051089}"/>
+                    </a:ext>
+                  </a:extLst>
+                </p:cNvPr>
+                <p:cNvSpPr/>
+                <p:nvPr/>
+              </p:nvSpPr>
+              <p:spPr>
+                <a:xfrm>
+                  <a:off x="2483517" y="3016121"/>
+                  <a:ext cx="1561227" cy="1083949"/>
+                </a:xfrm>
+                <a:prstGeom prst="rect">
+                  <a:avLst/>
+                </a:prstGeom>
+                <a:noFill/>
+                <a:ln>
+                  <a:solidFill>
+                    <a:srgbClr val="00B050"/>
+                  </a:solidFill>
+                </a:ln>
+              </p:spPr>
+              <p:style>
+                <a:lnRef idx="2">
+                  <a:schemeClr val="accent1">
+                    <a:shade val="50000"/>
+                  </a:schemeClr>
+                </a:lnRef>
+                <a:fillRef idx="1">
+                  <a:schemeClr val="accent1"/>
+                </a:fillRef>
+                <a:effectRef idx="0">
+                  <a:schemeClr val="accent1"/>
+                </a:effectRef>
+                <a:fontRef idx="minor">
+                  <a:schemeClr val="lt1"/>
+                </a:fontRef>
+              </p:style>
+              <p:txBody>
+                <a:bodyPr rtlCol="0" anchor="ctr"/>
+                <a:lstStyle/>
+                <a:p>
+                  <a:pPr algn="ctr"/>
+                  <a:endParaRPr lang="en-US"/>
+                </a:p>
+              </p:txBody>
+            </p:sp>
+            <p:sp>
+              <p:nvSpPr>
+                <p:cNvPr id="24" name="Oval 23">
+                  <a:extLst>
+                    <a:ext uri="{FF2B5EF4-FFF2-40B4-BE49-F238E27FC236}">
+                      <a16:creationId xmlns:a16="http://schemas.microsoft.com/office/drawing/2014/main" id="{69F21047-BABE-380A-6BA7-B4CD2C2BC390}"/>
+                    </a:ext>
+                  </a:extLst>
+                </p:cNvPr>
+                <p:cNvSpPr/>
+                <p:nvPr/>
+              </p:nvSpPr>
+              <p:spPr>
+                <a:xfrm>
+                  <a:off x="4894417" y="3514316"/>
+                  <a:ext cx="140885" cy="134175"/>
+                </a:xfrm>
+                <a:prstGeom prst="ellipse">
+                  <a:avLst/>
+                </a:prstGeom>
+                <a:noFill/>
+                <a:ln w="28575">
+                  <a:solidFill>
+                    <a:srgbClr val="FFFF00"/>
+                  </a:solidFill>
+                </a:ln>
+              </p:spPr>
+              <p:style>
+                <a:lnRef idx="2">
+                  <a:schemeClr val="accent1">
+                    <a:shade val="50000"/>
+                  </a:schemeClr>
+                </a:lnRef>
+                <a:fillRef idx="1">
+                  <a:schemeClr val="accent1"/>
+                </a:fillRef>
+                <a:effectRef idx="0">
+                  <a:schemeClr val="accent1"/>
+                </a:effectRef>
+                <a:fontRef idx="minor">
+                  <a:schemeClr val="lt1"/>
+                </a:fontRef>
+              </p:style>
+              <p:txBody>
+                <a:bodyPr rtlCol="0" anchor="ctr"/>
+                <a:lstStyle/>
+                <a:p>
+                  <a:pPr algn="ctr"/>
+                  <a:endParaRPr lang="en-US"/>
+                </a:p>
+              </p:txBody>
+            </p:sp>
+            <p:sp>
+              <p:nvSpPr>
+                <p:cNvPr id="25" name="Oval 24">
+                  <a:extLst>
+                    <a:ext uri="{FF2B5EF4-FFF2-40B4-BE49-F238E27FC236}">
+                      <a16:creationId xmlns:a16="http://schemas.microsoft.com/office/drawing/2014/main" id="{22F95189-AB10-18ED-C405-0114C594A595}"/>
+                    </a:ext>
+                  </a:extLst>
+                </p:cNvPr>
+                <p:cNvSpPr/>
+                <p:nvPr/>
+              </p:nvSpPr>
+              <p:spPr>
+                <a:xfrm>
+                  <a:off x="4906043" y="4864092"/>
+                  <a:ext cx="140885" cy="134175"/>
+                </a:xfrm>
+                <a:prstGeom prst="ellipse">
+                  <a:avLst/>
+                </a:prstGeom>
+                <a:noFill/>
+                <a:ln w="28575">
+                  <a:solidFill>
+                    <a:srgbClr val="00B050"/>
+                  </a:solidFill>
+                </a:ln>
+              </p:spPr>
+              <p:style>
+                <a:lnRef idx="2">
+                  <a:schemeClr val="accent1">
+                    <a:shade val="50000"/>
+                  </a:schemeClr>
+                </a:lnRef>
+                <a:fillRef idx="1">
+                  <a:schemeClr val="accent1"/>
+                </a:fillRef>
+                <a:effectRef idx="0">
+                  <a:schemeClr val="accent1"/>
+                </a:effectRef>
+                <a:fontRef idx="minor">
+                  <a:schemeClr val="lt1"/>
+                </a:fontRef>
+              </p:style>
+              <p:txBody>
+                <a:bodyPr rtlCol="0" anchor="ctr"/>
+                <a:lstStyle/>
+                <a:p>
+                  <a:pPr algn="ctr"/>
+                  <a:endParaRPr lang="en-US"/>
+                </a:p>
+              </p:txBody>
+            </p:sp>
+            <p:cxnSp>
+              <p:nvCxnSpPr>
+                <p:cNvPr id="27" name="Straight Arrow Connector 26">
+                  <a:extLst>
+                    <a:ext uri="{FF2B5EF4-FFF2-40B4-BE49-F238E27FC236}">
+                      <a16:creationId xmlns:a16="http://schemas.microsoft.com/office/drawing/2014/main" id="{EFF27B26-51C7-1069-BE36-4A50A99E045A}"/>
+                    </a:ext>
+                  </a:extLst>
+                </p:cNvPr>
+                <p:cNvCxnSpPr>
+                  <a:cxnSpLocks/>
+                </p:cNvCxnSpPr>
+                <p:nvPr/>
+              </p:nvCxnSpPr>
+              <p:spPr>
+                <a:xfrm flipV="1">
+                  <a:off x="2914650" y="3306536"/>
+                  <a:ext cx="73479" cy="207780"/>
+                </a:xfrm>
+                <a:prstGeom prst="straightConnector1">
+                  <a:avLst/>
+                </a:prstGeom>
+                <a:ln>
+                  <a:solidFill>
+                    <a:srgbClr val="FFFF00"/>
+                  </a:solidFill>
+                  <a:tailEnd type="triangle"/>
+                </a:ln>
+              </p:spPr>
+              <p:style>
+                <a:lnRef idx="1">
+                  <a:schemeClr val="accent1"/>
+                </a:lnRef>
+                <a:fillRef idx="0">
+                  <a:schemeClr val="accent1"/>
+                </a:fillRef>
+                <a:effectRef idx="0">
+                  <a:schemeClr val="accent1"/>
+                </a:effectRef>
+                <a:fontRef idx="minor">
+                  <a:schemeClr val="tx1"/>
+                </a:fontRef>
+              </p:style>
+            </p:cxnSp>
+            <p:sp>
+              <p:nvSpPr>
+                <p:cNvPr id="30" name="TextBox 29">
+                  <a:extLst>
+                    <a:ext uri="{FF2B5EF4-FFF2-40B4-BE49-F238E27FC236}">
+                      <a16:creationId xmlns:a16="http://schemas.microsoft.com/office/drawing/2014/main" id="{F8663AEB-9305-C52A-1349-2D7ECEA4FC9D}"/>
+                    </a:ext>
+                  </a:extLst>
+                </p:cNvPr>
+                <p:cNvSpPr txBox="1"/>
+                <p:nvPr/>
+              </p:nvSpPr>
+              <p:spPr>
+                <a:xfrm>
+                  <a:off x="2558489" y="3450819"/>
+                  <a:ext cx="705641" cy="430887"/>
+                </a:xfrm>
+                <a:prstGeom prst="rect">
+                  <a:avLst/>
+                </a:prstGeom>
+                <a:noFill/>
+              </p:spPr>
+              <p:txBody>
+                <a:bodyPr wrap="none" rtlCol="0">
+                  <a:spAutoFit/>
+                </a:bodyPr>
+                <a:lstStyle/>
+                <a:p>
+                  <a:pPr algn="ctr"/>
+                  <a:r>
+                    <a:rPr lang="en-US" sz="1100" b="1" dirty="0">
+                      <a:solidFill>
+                        <a:srgbClr val="FFFF00"/>
+                      </a:solidFill>
+                    </a:rPr>
+                    <a:t>Marker</a:t>
+                  </a:r>
+                </a:p>
+                <a:p>
+                  <a:pPr algn="ctr"/>
+                  <a:r>
+                    <a:rPr lang="en-US" sz="1100" b="1" dirty="0">
+                      <a:solidFill>
+                        <a:srgbClr val="FFFF00"/>
+                      </a:solidFill>
+                    </a:rPr>
+                    <a:t>detected</a:t>
+                  </a:r>
+                </a:p>
+              </p:txBody>
+            </p:sp>
+          </p:grpSp>
+          <p:pic>
+            <p:nvPicPr>
+              <p:cNvPr id="36" name="Picture 35">
+                <a:extLst>
+                  <a:ext uri="{FF2B5EF4-FFF2-40B4-BE49-F238E27FC236}">
+                    <a16:creationId xmlns:a16="http://schemas.microsoft.com/office/drawing/2014/main" id="{0BDDB8C2-105E-E069-AC2A-7E8D4C68E18A}"/>
+                  </a:ext>
+                </a:extLst>
+              </p:cNvPr>
+              <p:cNvPicPr>
+                <a:picLocks noChangeAspect="1"/>
+              </p:cNvPicPr>
+              <p:nvPr/>
+            </p:nvPicPr>
+            <p:blipFill rotWithShape="1">
+              <a:blip r:embed="rId6"/>
+              <a:srcRect r="2902"/>
+              <a:stretch/>
+            </p:blipFill>
+            <p:spPr>
+              <a:xfrm>
+                <a:off x="3667684" y="2521769"/>
+                <a:ext cx="2640504" cy="2102888"/>
+              </a:xfrm>
+              <a:prstGeom prst="rect">
+                <a:avLst/>
+              </a:prstGeom>
+            </p:spPr>
+          </p:pic>
+          <p:sp>
+            <p:nvSpPr>
+              <p:cNvPr id="37" name="Rectangle 36">
+                <a:extLst>
+                  <a:ext uri="{FF2B5EF4-FFF2-40B4-BE49-F238E27FC236}">
+                    <a16:creationId xmlns:a16="http://schemas.microsoft.com/office/drawing/2014/main" id="{4FA05503-1879-C059-FA78-0D805B6EC12F}"/>
+                  </a:ext>
+                </a:extLst>
+              </p:cNvPr>
+              <p:cNvSpPr/>
+              <p:nvPr/>
+            </p:nvSpPr>
+            <p:spPr>
+              <a:xfrm>
+                <a:off x="3663825" y="2516976"/>
+                <a:ext cx="1561227" cy="1083949"/>
+              </a:xfrm>
+              <a:prstGeom prst="rect">
+                <a:avLst/>
+              </a:prstGeom>
+              <a:noFill/>
+              <a:ln>
+                <a:solidFill>
+                  <a:srgbClr val="00B050"/>
+                </a:solidFill>
+              </a:ln>
+            </p:spPr>
+            <p:style>
+              <a:lnRef idx="2">
+                <a:schemeClr val="accent1">
+                  <a:shade val="50000"/>
+                </a:schemeClr>
+              </a:lnRef>
+              <a:fillRef idx="1">
+                <a:schemeClr val="accent1"/>
+              </a:fillRef>
+              <a:effectRef idx="0">
+                <a:schemeClr val="accent1"/>
+              </a:effectRef>
+              <a:fontRef idx="minor">
+                <a:schemeClr val="lt1"/>
+              </a:fontRef>
+            </p:style>
+            <p:txBody>
+              <a:bodyPr rtlCol="0" anchor="ctr"/>
+              <a:lstStyle/>
+              <a:p>
+                <a:pPr algn="ctr"/>
+                <a:endParaRPr lang="en-US"/>
+              </a:p>
+            </p:txBody>
+          </p:sp>
+          <p:sp>
+            <p:nvSpPr>
+              <p:cNvPr id="38" name="Oval 37">
+                <a:extLst>
+                  <a:ext uri="{FF2B5EF4-FFF2-40B4-BE49-F238E27FC236}">
+                    <a16:creationId xmlns:a16="http://schemas.microsoft.com/office/drawing/2014/main" id="{65C0A4DC-F5AF-07E6-E9B4-535C842B68F8}"/>
+                  </a:ext>
+                </a:extLst>
+              </p:cNvPr>
+              <p:cNvSpPr/>
+              <p:nvPr/>
+            </p:nvSpPr>
+            <p:spPr>
+              <a:xfrm>
+                <a:off x="6084519" y="3181462"/>
+                <a:ext cx="140885" cy="134175"/>
+              </a:xfrm>
+              <a:prstGeom prst="ellipse">
+                <a:avLst/>
+              </a:prstGeom>
+              <a:noFill/>
+              <a:ln w="28575">
+                <a:solidFill>
+                  <a:srgbClr val="FFFF00"/>
+                </a:solidFill>
+              </a:ln>
+            </p:spPr>
+            <p:style>
+              <a:lnRef idx="2">
+                <a:schemeClr val="accent1">
+                  <a:shade val="50000"/>
+                </a:schemeClr>
+              </a:lnRef>
+              <a:fillRef idx="1">
+                <a:schemeClr val="accent1"/>
+              </a:fillRef>
+              <a:effectRef idx="0">
+                <a:schemeClr val="accent1"/>
+              </a:effectRef>
+              <a:fontRef idx="minor">
+                <a:schemeClr val="lt1"/>
+              </a:fontRef>
+            </p:style>
+            <p:txBody>
+              <a:bodyPr rtlCol="0" anchor="ctr"/>
+              <a:lstStyle/>
+              <a:p>
+                <a:pPr algn="ctr"/>
+                <a:endParaRPr lang="en-US"/>
+              </a:p>
+            </p:txBody>
+          </p:sp>
+          <p:sp>
+            <p:nvSpPr>
+              <p:cNvPr id="39" name="Oval 38">
+                <a:extLst>
+                  <a:ext uri="{FF2B5EF4-FFF2-40B4-BE49-F238E27FC236}">
+                    <a16:creationId xmlns:a16="http://schemas.microsoft.com/office/drawing/2014/main" id="{D63B767B-776A-1BEA-8A84-A3EB6E8AC26D}"/>
+                  </a:ext>
+                </a:extLst>
+              </p:cNvPr>
+              <p:cNvSpPr/>
+              <p:nvPr/>
+            </p:nvSpPr>
+            <p:spPr>
+              <a:xfrm>
+                <a:off x="6086351" y="4364947"/>
+                <a:ext cx="140885" cy="134175"/>
+              </a:xfrm>
+              <a:prstGeom prst="ellipse">
+                <a:avLst/>
+              </a:prstGeom>
+              <a:noFill/>
+              <a:ln w="28575">
+                <a:solidFill>
+                  <a:srgbClr val="00B050"/>
+                </a:solidFill>
+              </a:ln>
+            </p:spPr>
+            <p:style>
+              <a:lnRef idx="2">
+                <a:schemeClr val="accent1">
+                  <a:shade val="50000"/>
+                </a:schemeClr>
+              </a:lnRef>
+              <a:fillRef idx="1">
+                <a:schemeClr val="accent1"/>
+              </a:fillRef>
+              <a:effectRef idx="0">
+                <a:schemeClr val="accent1"/>
+              </a:effectRef>
+              <a:fontRef idx="minor">
+                <a:schemeClr val="lt1"/>
+              </a:fontRef>
+            </p:style>
+            <p:txBody>
+              <a:bodyPr rtlCol="0" anchor="ctr"/>
+              <a:lstStyle/>
+              <a:p>
+                <a:pPr algn="ctr"/>
+                <a:endParaRPr lang="en-US"/>
+              </a:p>
+            </p:txBody>
+          </p:sp>
+          <p:cxnSp>
+            <p:nvCxnSpPr>
+              <p:cNvPr id="40" name="Straight Arrow Connector 39">
+                <a:extLst>
+                  <a:ext uri="{FF2B5EF4-FFF2-40B4-BE49-F238E27FC236}">
+                    <a16:creationId xmlns:a16="http://schemas.microsoft.com/office/drawing/2014/main" id="{C83A3787-F90B-2EC3-2AB8-3396B0D0E6AF}"/>
+                  </a:ext>
+                </a:extLst>
+              </p:cNvPr>
+              <p:cNvCxnSpPr>
+                <a:cxnSpLocks/>
+              </p:cNvCxnSpPr>
+              <p:nvPr/>
+            </p:nvCxnSpPr>
+            <p:spPr>
+              <a:xfrm>
+                <a:off x="4094958" y="3015171"/>
+                <a:ext cx="281525" cy="68210"/>
+              </a:xfrm>
+              <a:prstGeom prst="straightConnector1">
+                <a:avLst/>
+              </a:prstGeom>
+              <a:ln>
+                <a:solidFill>
+                  <a:srgbClr val="FFFF00"/>
+                </a:solidFill>
+                <a:tailEnd type="triangle"/>
+              </a:ln>
+            </p:spPr>
+            <p:style>
+              <a:lnRef idx="1">
+                <a:schemeClr val="accent1"/>
+              </a:lnRef>
+              <a:fillRef idx="0">
+                <a:schemeClr val="accent1"/>
+              </a:fillRef>
+              <a:effectRef idx="0">
+                <a:schemeClr val="accent1"/>
+              </a:effectRef>
+              <a:fontRef idx="minor">
+                <a:schemeClr val="tx1"/>
+              </a:fontRef>
+            </p:style>
+          </p:cxnSp>
+          <p:sp>
+            <p:nvSpPr>
+              <p:cNvPr id="41" name="TextBox 40">
+                <a:extLst>
+                  <a:ext uri="{FF2B5EF4-FFF2-40B4-BE49-F238E27FC236}">
+                    <a16:creationId xmlns:a16="http://schemas.microsoft.com/office/drawing/2014/main" id="{F31D3299-FFEC-7B73-D583-DDF9F4C57359}"/>
+                  </a:ext>
+                </a:extLst>
+              </p:cNvPr>
+              <p:cNvSpPr txBox="1"/>
+              <p:nvPr/>
+            </p:nvSpPr>
+            <p:spPr>
+              <a:xfrm>
+                <a:off x="3579852" y="2799727"/>
+                <a:ext cx="742512" cy="430887"/>
+              </a:xfrm>
+              <a:prstGeom prst="rect">
+                <a:avLst/>
+              </a:prstGeom>
+              <a:noFill/>
+            </p:spPr>
+            <p:txBody>
+              <a:bodyPr wrap="none" rtlCol="0">
+                <a:spAutoFit/>
+              </a:bodyPr>
+              <a:lstStyle/>
+              <a:p>
+                <a:pPr algn="ctr"/>
+                <a:r>
+                  <a:rPr lang="en-US" sz="1100" b="1" dirty="0">
+                    <a:solidFill>
+                      <a:srgbClr val="FFFF00"/>
+                    </a:solidFill>
+                  </a:rPr>
+                  <a:t>Marker</a:t>
+                </a:r>
+              </a:p>
+              <a:p>
+                <a:pPr algn="ctr"/>
+                <a:r>
+                  <a:rPr lang="en-US" sz="1100" b="1" dirty="0">
+                    <a:solidFill>
+                      <a:srgbClr val="FFFF00"/>
+                    </a:solidFill>
+                  </a:rPr>
+                  <a:t>at Center</a:t>
+                </a:r>
+              </a:p>
+            </p:txBody>
+          </p:sp>
+          <p:pic>
+            <p:nvPicPr>
+              <p:cNvPr id="45" name="Picture 44">
+                <a:extLst>
+                  <a:ext uri="{FF2B5EF4-FFF2-40B4-BE49-F238E27FC236}">
+                    <a16:creationId xmlns:a16="http://schemas.microsoft.com/office/drawing/2014/main" id="{A8E809E8-49CD-5A2B-C2E1-5BD263CE9BCF}"/>
+                  </a:ext>
+                </a:extLst>
+              </p:cNvPr>
+              <p:cNvPicPr>
+                <a:picLocks noChangeAspect="1"/>
+              </p:cNvPicPr>
+              <p:nvPr/>
+            </p:nvPicPr>
+            <p:blipFill rotWithShape="1">
+              <a:blip r:embed="rId7"/>
+              <a:srcRect r="933"/>
+              <a:stretch/>
+            </p:blipFill>
+            <p:spPr>
+              <a:xfrm>
+                <a:off x="6433597" y="2518099"/>
+                <a:ext cx="2669050" cy="2102888"/>
+              </a:xfrm>
+              <a:prstGeom prst="rect">
+                <a:avLst/>
+              </a:prstGeom>
+            </p:spPr>
+          </p:pic>
+          <p:sp>
+            <p:nvSpPr>
+              <p:cNvPr id="46" name="Rectangle 45">
+                <a:extLst>
+                  <a:ext uri="{FF2B5EF4-FFF2-40B4-BE49-F238E27FC236}">
+                    <a16:creationId xmlns:a16="http://schemas.microsoft.com/office/drawing/2014/main" id="{717D2B9B-3478-E159-5801-A183278FCF99}"/>
+                  </a:ext>
+                </a:extLst>
+              </p:cNvPr>
+              <p:cNvSpPr/>
+              <p:nvPr/>
+            </p:nvSpPr>
+            <p:spPr>
+              <a:xfrm>
+                <a:off x="6433597" y="2516976"/>
+                <a:ext cx="1561227" cy="1083949"/>
+              </a:xfrm>
+              <a:prstGeom prst="rect">
+                <a:avLst/>
+              </a:prstGeom>
+              <a:noFill/>
+              <a:ln>
+                <a:solidFill>
+                  <a:srgbClr val="00B050"/>
+                </a:solidFill>
+              </a:ln>
+            </p:spPr>
+            <p:style>
+              <a:lnRef idx="2">
+                <a:schemeClr val="accent1">
+                  <a:shade val="50000"/>
+                </a:schemeClr>
+              </a:lnRef>
+              <a:fillRef idx="1">
+                <a:schemeClr val="accent1"/>
+              </a:fillRef>
+              <a:effectRef idx="0">
+                <a:schemeClr val="accent1"/>
+              </a:effectRef>
+              <a:fontRef idx="minor">
+                <a:schemeClr val="lt1"/>
+              </a:fontRef>
+            </p:style>
+            <p:txBody>
+              <a:bodyPr rtlCol="0" anchor="ctr"/>
+              <a:lstStyle/>
+              <a:p>
+                <a:pPr algn="ctr"/>
+                <a:endParaRPr lang="en-US"/>
+              </a:p>
+            </p:txBody>
+          </p:sp>
+          <p:sp>
+            <p:nvSpPr>
+              <p:cNvPr id="48" name="Oval 47">
+                <a:extLst>
+                  <a:ext uri="{FF2B5EF4-FFF2-40B4-BE49-F238E27FC236}">
+                    <a16:creationId xmlns:a16="http://schemas.microsoft.com/office/drawing/2014/main" id="{9F9256D1-8BD5-5ABA-14D4-DE79EB1E6307}"/>
+                  </a:ext>
+                </a:extLst>
+              </p:cNvPr>
+              <p:cNvSpPr/>
+              <p:nvPr/>
+            </p:nvSpPr>
+            <p:spPr>
+              <a:xfrm>
+                <a:off x="8852284" y="4362001"/>
+                <a:ext cx="140885" cy="134175"/>
+              </a:xfrm>
+              <a:prstGeom prst="ellipse">
+                <a:avLst/>
+              </a:prstGeom>
+              <a:noFill/>
+              <a:ln w="28575">
+                <a:solidFill>
+                  <a:srgbClr val="00B050"/>
+                </a:solidFill>
+              </a:ln>
+            </p:spPr>
+            <p:style>
+              <a:lnRef idx="2">
+                <a:schemeClr val="accent1">
+                  <a:shade val="50000"/>
+                </a:schemeClr>
+              </a:lnRef>
+              <a:fillRef idx="1">
+                <a:schemeClr val="accent1"/>
+              </a:fillRef>
+              <a:effectRef idx="0">
+                <a:schemeClr val="accent1"/>
+              </a:effectRef>
+              <a:fontRef idx="minor">
+                <a:schemeClr val="lt1"/>
+              </a:fontRef>
+            </p:style>
+            <p:txBody>
+              <a:bodyPr rtlCol="0" anchor="ctr"/>
+              <a:lstStyle/>
+              <a:p>
+                <a:pPr algn="ctr"/>
+                <a:endParaRPr lang="en-US"/>
+              </a:p>
+            </p:txBody>
+          </p:sp>
+          <p:sp>
+            <p:nvSpPr>
+              <p:cNvPr id="47" name="Oval 46">
+                <a:extLst>
+                  <a:ext uri="{FF2B5EF4-FFF2-40B4-BE49-F238E27FC236}">
+                    <a16:creationId xmlns:a16="http://schemas.microsoft.com/office/drawing/2014/main" id="{CEC19A08-B52A-9901-6577-BBB7A75A0699}"/>
+                  </a:ext>
+                </a:extLst>
+              </p:cNvPr>
+              <p:cNvSpPr/>
+              <p:nvPr/>
+            </p:nvSpPr>
+            <p:spPr>
+              <a:xfrm>
+                <a:off x="8852283" y="4247100"/>
+                <a:ext cx="140885" cy="134175"/>
+              </a:xfrm>
+              <a:prstGeom prst="ellipse">
+                <a:avLst/>
+              </a:prstGeom>
+              <a:noFill/>
+              <a:ln w="28575">
+                <a:solidFill>
+                  <a:srgbClr val="FFFF00"/>
+                </a:solidFill>
+              </a:ln>
+            </p:spPr>
+            <p:style>
+              <a:lnRef idx="2">
+                <a:schemeClr val="accent1">
+                  <a:shade val="50000"/>
+                </a:schemeClr>
+              </a:lnRef>
+              <a:fillRef idx="1">
+                <a:schemeClr val="accent1"/>
+              </a:fillRef>
+              <a:effectRef idx="0">
+                <a:schemeClr val="accent1"/>
+              </a:effectRef>
+              <a:fontRef idx="minor">
+                <a:schemeClr val="lt1"/>
+              </a:fontRef>
+            </p:style>
+            <p:txBody>
+              <a:bodyPr rtlCol="0" anchor="ctr"/>
+              <a:lstStyle/>
+              <a:p>
+                <a:pPr algn="ctr"/>
+                <a:endParaRPr lang="en-US"/>
+              </a:p>
+            </p:txBody>
+          </p:sp>
+          <p:pic>
+            <p:nvPicPr>
+              <p:cNvPr id="53" name="Picture 52">
+                <a:extLst>
+                  <a:ext uri="{FF2B5EF4-FFF2-40B4-BE49-F238E27FC236}">
+                    <a16:creationId xmlns:a16="http://schemas.microsoft.com/office/drawing/2014/main" id="{0AE08F01-F797-E56C-8AB6-322187969DF1}"/>
+                  </a:ext>
+                </a:extLst>
+              </p:cNvPr>
+              <p:cNvPicPr>
+                <a:picLocks noChangeAspect="1"/>
+              </p:cNvPicPr>
+              <p:nvPr/>
+            </p:nvPicPr>
+            <p:blipFill>
+              <a:blip r:embed="rId8"/>
+              <a:stretch>
+                <a:fillRect/>
+              </a:stretch>
+            </p:blipFill>
+            <p:spPr>
+              <a:xfrm>
+                <a:off x="3663825" y="4713231"/>
+                <a:ext cx="2627428" cy="2102888"/>
+              </a:xfrm>
+              <a:prstGeom prst="rect">
+                <a:avLst/>
+              </a:prstGeom>
+            </p:spPr>
+          </p:pic>
+          <p:sp>
+            <p:nvSpPr>
+              <p:cNvPr id="54" name="Oval 53">
+                <a:extLst>
+                  <a:ext uri="{FF2B5EF4-FFF2-40B4-BE49-F238E27FC236}">
+                    <a16:creationId xmlns:a16="http://schemas.microsoft.com/office/drawing/2014/main" id="{D793C3DD-5937-2BAF-94F5-B5BD4EE32DE6}"/>
+                  </a:ext>
+                </a:extLst>
+              </p:cNvPr>
+              <p:cNvSpPr/>
+              <p:nvPr/>
+            </p:nvSpPr>
+            <p:spPr>
+              <a:xfrm>
+                <a:off x="6076354" y="6544259"/>
+                <a:ext cx="140885" cy="134175"/>
+              </a:xfrm>
+              <a:prstGeom prst="ellipse">
+                <a:avLst/>
+              </a:prstGeom>
+              <a:noFill/>
+              <a:ln w="28575">
+                <a:solidFill>
+                  <a:srgbClr val="FFFF00"/>
+                </a:solidFill>
+              </a:ln>
+            </p:spPr>
+            <p:style>
+              <a:lnRef idx="2">
+                <a:schemeClr val="accent1">
+                  <a:shade val="50000"/>
+                </a:schemeClr>
+              </a:lnRef>
+              <a:fillRef idx="1">
+                <a:schemeClr val="accent1"/>
+              </a:fillRef>
+              <a:effectRef idx="0">
+                <a:schemeClr val="accent1"/>
+              </a:effectRef>
+              <a:fontRef idx="minor">
+                <a:schemeClr val="lt1"/>
+              </a:fontRef>
+            </p:style>
+            <p:txBody>
+              <a:bodyPr rtlCol="0" anchor="ctr"/>
+              <a:lstStyle/>
+              <a:p>
+                <a:pPr algn="ctr"/>
+                <a:endParaRPr lang="en-US"/>
+              </a:p>
+            </p:txBody>
+          </p:sp>
+          <p:sp>
+            <p:nvSpPr>
+              <p:cNvPr id="55" name="Rectangle 54">
+                <a:extLst>
+                  <a:ext uri="{FF2B5EF4-FFF2-40B4-BE49-F238E27FC236}">
+                    <a16:creationId xmlns:a16="http://schemas.microsoft.com/office/drawing/2014/main" id="{546C4D23-1C1D-90A2-4022-D46B2577C0B9}"/>
+                  </a:ext>
+                </a:extLst>
+              </p:cNvPr>
+              <p:cNvSpPr/>
+              <p:nvPr/>
+            </p:nvSpPr>
+            <p:spPr>
+              <a:xfrm>
+                <a:off x="3673070" y="4721633"/>
+                <a:ext cx="1552074" cy="1083949"/>
+              </a:xfrm>
+              <a:prstGeom prst="rect">
+                <a:avLst/>
+              </a:prstGeom>
+              <a:noFill/>
+              <a:ln>
+                <a:solidFill>
+                  <a:srgbClr val="00B050"/>
+                </a:solidFill>
+              </a:ln>
+            </p:spPr>
+            <p:style>
+              <a:lnRef idx="2">
+                <a:schemeClr val="accent1">
+                  <a:shade val="50000"/>
+                </a:schemeClr>
+              </a:lnRef>
+              <a:fillRef idx="1">
+                <a:schemeClr val="accent1"/>
+              </a:fillRef>
+              <a:effectRef idx="0">
+                <a:schemeClr val="accent1"/>
+              </a:effectRef>
+              <a:fontRef idx="minor">
+                <a:schemeClr val="lt1"/>
+              </a:fontRef>
+            </p:style>
+            <p:txBody>
+              <a:bodyPr rtlCol="0" anchor="ctr"/>
+              <a:lstStyle/>
+              <a:p>
+                <a:pPr algn="ctr"/>
+                <a:endParaRPr lang="en-US"/>
+              </a:p>
+            </p:txBody>
+          </p:sp>
+        </p:grpSp>
+        <p:sp>
+          <p:nvSpPr>
+            <p:cNvPr id="58" name="Oval 57">
+              <a:extLst>
+                <a:ext uri="{FF2B5EF4-FFF2-40B4-BE49-F238E27FC236}">
+                  <a16:creationId xmlns:a16="http://schemas.microsoft.com/office/drawing/2014/main" id="{82EC3691-C364-6F5C-374D-8C62290AD281}"/>
+                </a:ext>
+              </a:extLst>
+            </p:cNvPr>
+            <p:cNvSpPr/>
+            <p:nvPr/>
+          </p:nvSpPr>
+          <p:spPr>
+            <a:xfrm>
+              <a:off x="2324079" y="1455814"/>
+              <a:ext cx="310243" cy="310243"/>
+            </a:xfrm>
+            <a:prstGeom prst="ellipse">
+              <a:avLst/>
+            </a:prstGeom>
+            <a:solidFill>
+              <a:srgbClr val="FFFF00"/>
+            </a:solidFill>
+            <a:ln>
+              <a:noFill/>
+            </a:ln>
+          </p:spPr>
+          <p:style>
+            <a:lnRef idx="2">
+              <a:schemeClr val="accent1">
+                <a:shade val="50000"/>
+              </a:schemeClr>
+            </a:lnRef>
+            <a:fillRef idx="1">
+              <a:schemeClr val="accent1"/>
+            </a:fillRef>
+            <a:effectRef idx="0">
+              <a:schemeClr val="accent1"/>
+            </a:effectRef>
+            <a:fontRef idx="minor">
+              <a:schemeClr val="lt1"/>
+            </a:fontRef>
+          </p:style>
+          <p:txBody>
+            <a:bodyPr rtlCol="0" anchor="ctr"/>
+            <a:lstStyle/>
+            <a:p>
+              <a:pPr algn="ctr"/>
+              <a:r>
+                <a:rPr lang="en-US" dirty="0">
+                  <a:solidFill>
+                    <a:schemeClr val="tx1"/>
+                  </a:solidFill>
+                </a:rPr>
+                <a:t>a</a:t>
+              </a:r>
+            </a:p>
+          </p:txBody>
+        </p:sp>
+        <p:sp>
+          <p:nvSpPr>
+            <p:cNvPr id="59" name="Oval 58">
+              <a:extLst>
+                <a:ext uri="{FF2B5EF4-FFF2-40B4-BE49-F238E27FC236}">
+                  <a16:creationId xmlns:a16="http://schemas.microsoft.com/office/drawing/2014/main" id="{FC7E8EC4-6DD0-359A-9109-8950771D0FED}"/>
+                </a:ext>
+              </a:extLst>
+            </p:cNvPr>
+            <p:cNvSpPr/>
+            <p:nvPr/>
+          </p:nvSpPr>
+          <p:spPr>
+            <a:xfrm>
+              <a:off x="4475457" y="1472090"/>
+              <a:ext cx="310243" cy="310243"/>
+            </a:xfrm>
+            <a:prstGeom prst="ellipse">
+              <a:avLst/>
+            </a:prstGeom>
+            <a:solidFill>
+              <a:srgbClr val="FFFF00"/>
+            </a:solidFill>
+            <a:ln>
+              <a:noFill/>
+            </a:ln>
+          </p:spPr>
+          <p:style>
+            <a:lnRef idx="2">
+              <a:schemeClr val="accent1">
+                <a:shade val="50000"/>
+              </a:schemeClr>
+            </a:lnRef>
+            <a:fillRef idx="1">
+              <a:schemeClr val="accent1"/>
+            </a:fillRef>
+            <a:effectRef idx="0">
+              <a:schemeClr val="accent1"/>
+            </a:effectRef>
+            <a:fontRef idx="minor">
+              <a:schemeClr val="lt1"/>
+            </a:fontRef>
+          </p:style>
+          <p:txBody>
+            <a:bodyPr rtlCol="0" anchor="ctr"/>
+            <a:lstStyle/>
+            <a:p>
+              <a:pPr algn="ctr"/>
+              <a:r>
+                <a:rPr lang="en-US" dirty="0">
+                  <a:solidFill>
+                    <a:schemeClr val="tx1"/>
+                  </a:solidFill>
+                </a:rPr>
+                <a:t>b</a:t>
+              </a:r>
+            </a:p>
+          </p:txBody>
+        </p:sp>
+        <p:sp>
+          <p:nvSpPr>
+            <p:cNvPr id="60" name="Oval 59">
+              <a:extLst>
+                <a:ext uri="{FF2B5EF4-FFF2-40B4-BE49-F238E27FC236}">
+                  <a16:creationId xmlns:a16="http://schemas.microsoft.com/office/drawing/2014/main" id="{041BF6A5-35C0-F247-2368-06FBCFF24D68}"/>
+                </a:ext>
+              </a:extLst>
+            </p:cNvPr>
+            <p:cNvSpPr/>
+            <p:nvPr/>
+          </p:nvSpPr>
+          <p:spPr>
+            <a:xfrm>
+              <a:off x="6580411" y="1472090"/>
+              <a:ext cx="310243" cy="310243"/>
+            </a:xfrm>
+            <a:prstGeom prst="ellipse">
+              <a:avLst/>
+            </a:prstGeom>
+            <a:solidFill>
+              <a:srgbClr val="FFFF00"/>
+            </a:solidFill>
+            <a:ln>
+              <a:noFill/>
+            </a:ln>
+          </p:spPr>
+          <p:style>
+            <a:lnRef idx="2">
+              <a:schemeClr val="accent1">
+                <a:shade val="50000"/>
+              </a:schemeClr>
+            </a:lnRef>
+            <a:fillRef idx="1">
+              <a:schemeClr val="accent1"/>
+            </a:fillRef>
+            <a:effectRef idx="0">
+              <a:schemeClr val="accent1"/>
+            </a:effectRef>
+            <a:fontRef idx="minor">
+              <a:schemeClr val="lt1"/>
+            </a:fontRef>
+          </p:style>
+          <p:txBody>
+            <a:bodyPr rtlCol="0" anchor="ctr"/>
+            <a:lstStyle/>
+            <a:p>
+              <a:pPr algn="ctr"/>
+              <a:r>
+                <a:rPr lang="en-US" dirty="0">
+                  <a:solidFill>
+                    <a:schemeClr val="tx1"/>
+                  </a:solidFill>
+                </a:rPr>
+                <a:t>c</a:t>
+              </a:r>
+            </a:p>
+          </p:txBody>
+        </p:sp>
+        <p:sp>
+          <p:nvSpPr>
+            <p:cNvPr id="61" name="Oval 60">
+              <a:extLst>
+                <a:ext uri="{FF2B5EF4-FFF2-40B4-BE49-F238E27FC236}">
+                  <a16:creationId xmlns:a16="http://schemas.microsoft.com/office/drawing/2014/main" id="{513EBB83-A997-9C10-7F49-E868F60285F6}"/>
+                </a:ext>
+              </a:extLst>
+            </p:cNvPr>
+            <p:cNvSpPr/>
+            <p:nvPr/>
+          </p:nvSpPr>
+          <p:spPr>
+            <a:xfrm>
+              <a:off x="2296511" y="3103757"/>
+              <a:ext cx="310243" cy="310243"/>
+            </a:xfrm>
+            <a:prstGeom prst="ellipse">
+              <a:avLst/>
+            </a:prstGeom>
+            <a:solidFill>
+              <a:srgbClr val="FFFF00"/>
+            </a:solidFill>
+            <a:ln>
+              <a:noFill/>
+            </a:ln>
+          </p:spPr>
+          <p:style>
+            <a:lnRef idx="2">
+              <a:schemeClr val="accent1">
+                <a:shade val="50000"/>
+              </a:schemeClr>
+            </a:lnRef>
+            <a:fillRef idx="1">
+              <a:schemeClr val="accent1"/>
+            </a:fillRef>
+            <a:effectRef idx="0">
+              <a:schemeClr val="accent1"/>
+            </a:effectRef>
+            <a:fontRef idx="minor">
+              <a:schemeClr val="lt1"/>
+            </a:fontRef>
+          </p:style>
+          <p:txBody>
+            <a:bodyPr rtlCol="0" anchor="ctr"/>
+            <a:lstStyle/>
+            <a:p>
+              <a:pPr algn="ctr"/>
+              <a:r>
+                <a:rPr lang="en-US" dirty="0">
+                  <a:solidFill>
+                    <a:schemeClr val="tx1"/>
+                  </a:solidFill>
+                </a:rPr>
+                <a:t>d</a:t>
+              </a:r>
+            </a:p>
+          </p:txBody>
+        </p:sp>
+        <p:sp>
+          <p:nvSpPr>
+            <p:cNvPr id="62" name="Oval 61">
+              <a:extLst>
+                <a:ext uri="{FF2B5EF4-FFF2-40B4-BE49-F238E27FC236}">
+                  <a16:creationId xmlns:a16="http://schemas.microsoft.com/office/drawing/2014/main" id="{463321B6-1741-0A03-7CB6-AB140ED9E281}"/>
+                </a:ext>
+              </a:extLst>
+            </p:cNvPr>
+            <p:cNvSpPr/>
+            <p:nvPr/>
+          </p:nvSpPr>
+          <p:spPr>
+            <a:xfrm>
+              <a:off x="4475457" y="3103756"/>
+              <a:ext cx="310243" cy="310243"/>
+            </a:xfrm>
+            <a:prstGeom prst="ellipse">
+              <a:avLst/>
+            </a:prstGeom>
+            <a:solidFill>
+              <a:srgbClr val="FFFF00"/>
+            </a:solidFill>
+            <a:ln>
+              <a:noFill/>
+            </a:ln>
+          </p:spPr>
+          <p:style>
+            <a:lnRef idx="2">
+              <a:schemeClr val="accent1">
+                <a:shade val="50000"/>
+              </a:schemeClr>
+            </a:lnRef>
+            <a:fillRef idx="1">
+              <a:schemeClr val="accent1"/>
+            </a:fillRef>
+            <a:effectRef idx="0">
+              <a:schemeClr val="accent1"/>
+            </a:effectRef>
+            <a:fontRef idx="minor">
+              <a:schemeClr val="lt1"/>
+            </a:fontRef>
+          </p:style>
+          <p:txBody>
+            <a:bodyPr rtlCol="0" anchor="ctr"/>
+            <a:lstStyle/>
+            <a:p>
+              <a:pPr algn="ctr"/>
+              <a:r>
+                <a:rPr lang="en-US" dirty="0">
+                  <a:solidFill>
+                    <a:schemeClr val="tx1"/>
+                  </a:solidFill>
+                </a:rPr>
+                <a:t>e</a:t>
+              </a:r>
+            </a:p>
+          </p:txBody>
+        </p:sp>
+        <p:sp>
+          <p:nvSpPr>
+            <p:cNvPr id="63" name="Oval 62">
+              <a:extLst>
+                <a:ext uri="{FF2B5EF4-FFF2-40B4-BE49-F238E27FC236}">
+                  <a16:creationId xmlns:a16="http://schemas.microsoft.com/office/drawing/2014/main" id="{5B4FE358-7554-A13B-1159-D3877E6FA4BD}"/>
+                </a:ext>
+              </a:extLst>
+            </p:cNvPr>
+            <p:cNvSpPr/>
+            <p:nvPr/>
+          </p:nvSpPr>
+          <p:spPr>
+            <a:xfrm>
+              <a:off x="6580412" y="3099674"/>
+              <a:ext cx="310243" cy="310243"/>
+            </a:xfrm>
+            <a:prstGeom prst="ellipse">
+              <a:avLst/>
+            </a:prstGeom>
+            <a:solidFill>
+              <a:srgbClr val="FFFF00"/>
+            </a:solidFill>
+            <a:ln>
+              <a:noFill/>
+            </a:ln>
+          </p:spPr>
+          <p:style>
+            <a:lnRef idx="2">
+              <a:schemeClr val="accent1">
+                <a:shade val="50000"/>
+              </a:schemeClr>
+            </a:lnRef>
+            <a:fillRef idx="1">
+              <a:schemeClr val="accent1"/>
+            </a:fillRef>
+            <a:effectRef idx="0">
+              <a:schemeClr val="accent1"/>
+            </a:effectRef>
+            <a:fontRef idx="minor">
+              <a:schemeClr val="lt1"/>
+            </a:fontRef>
+          </p:style>
+          <p:txBody>
+            <a:bodyPr rtlCol="0" anchor="ctr"/>
+            <a:lstStyle/>
+            <a:p>
+              <a:pPr algn="ctr"/>
+              <a:r>
+                <a:rPr lang="en-US" dirty="0">
+                  <a:solidFill>
+                    <a:schemeClr val="tx1"/>
+                  </a:solidFill>
+                </a:rPr>
+                <a:t>f</a:t>
+              </a:r>
+            </a:p>
+          </p:txBody>
+        </p:sp>
+        <p:sp>
+          <p:nvSpPr>
+            <p:cNvPr id="64" name="Oval 63">
+              <a:extLst>
+                <a:ext uri="{FF2B5EF4-FFF2-40B4-BE49-F238E27FC236}">
+                  <a16:creationId xmlns:a16="http://schemas.microsoft.com/office/drawing/2014/main" id="{95F7545E-9269-86C4-CE55-DFE8F00D3059}"/>
+                </a:ext>
+              </a:extLst>
+            </p:cNvPr>
+            <p:cNvSpPr/>
+            <p:nvPr/>
+          </p:nvSpPr>
+          <p:spPr>
+            <a:xfrm>
+              <a:off x="4475457" y="4763303"/>
+              <a:ext cx="310243" cy="310243"/>
+            </a:xfrm>
+            <a:prstGeom prst="ellipse">
+              <a:avLst/>
+            </a:prstGeom>
+            <a:solidFill>
+              <a:srgbClr val="FFFF00"/>
+            </a:solidFill>
+            <a:ln>
+              <a:noFill/>
+            </a:ln>
+          </p:spPr>
+          <p:style>
+            <a:lnRef idx="2">
+              <a:schemeClr val="accent1">
+                <a:shade val="50000"/>
+              </a:schemeClr>
+            </a:lnRef>
+            <a:fillRef idx="1">
+              <a:schemeClr val="accent1"/>
+            </a:fillRef>
+            <a:effectRef idx="0">
+              <a:schemeClr val="accent1"/>
+            </a:effectRef>
+            <a:fontRef idx="minor">
+              <a:schemeClr val="lt1"/>
+            </a:fontRef>
+          </p:style>
+          <p:txBody>
+            <a:bodyPr rtlCol="0" anchor="ctr"/>
+            <a:lstStyle/>
+            <a:p>
+              <a:pPr algn="ctr"/>
+              <a:r>
+                <a:rPr lang="en-US" dirty="0">
+                  <a:solidFill>
+                    <a:schemeClr val="tx1"/>
+                  </a:solidFill>
+                </a:rPr>
+                <a:t>g</a:t>
+              </a:r>
+            </a:p>
+          </p:txBody>
+        </p:sp>
+      </p:grpSp>
+    </p:spTree>
+    <p:extLst>
+      <p:ext uri="{BB962C8B-B14F-4D97-AF65-F5344CB8AC3E}">
+        <p14:creationId xmlns:p14="http://schemas.microsoft.com/office/powerpoint/2010/main" val="7759244"/>
+      </p:ext>
+    </p:extLst>
+  </p:cSld>
+  <p:clrMapOvr>
+    <a:masterClrMapping/>
+  </p:clrMapOvr>
+</p:sld>
+</file>
+
 <file path=ppt/theme/theme1.xml><?xml version="1.0" encoding="utf-8"?>
 <a:theme xmlns:a="http://schemas.openxmlformats.org/drawingml/2006/main" name="Office Theme">
   <a:themeElements>
